--- a/int219 report.pptx
+++ b/int219 report.pptx
@@ -6,15 +6,19 @@
   </p:sldMasterIdLst>
   <p:sldIdLst>
     <p:sldId id="256" r:id="rId2"/>
-    <p:sldId id="257" r:id="rId3"/>
-    <p:sldId id="258" r:id="rId4"/>
-    <p:sldId id="259" r:id="rId5"/>
-    <p:sldId id="260" r:id="rId6"/>
-    <p:sldId id="261" r:id="rId7"/>
-    <p:sldId id="262" r:id="rId8"/>
-    <p:sldId id="263" r:id="rId9"/>
-    <p:sldId id="264" r:id="rId10"/>
-    <p:sldId id="265" r:id="rId11"/>
+    <p:sldId id="266" r:id="rId3"/>
+    <p:sldId id="267" r:id="rId4"/>
+    <p:sldId id="257" r:id="rId5"/>
+    <p:sldId id="258" r:id="rId6"/>
+    <p:sldId id="259" r:id="rId7"/>
+    <p:sldId id="260" r:id="rId8"/>
+    <p:sldId id="261" r:id="rId9"/>
+    <p:sldId id="262" r:id="rId10"/>
+    <p:sldId id="268" r:id="rId11"/>
+    <p:sldId id="269" r:id="rId12"/>
+    <p:sldId id="263" r:id="rId13"/>
+    <p:sldId id="264" r:id="rId14"/>
+    <p:sldId id="265" r:id="rId15"/>
   </p:sldIdLst>
   <p:sldSz cx="9144000" cy="6858000" type="screen4x3"/>
   <p:notesSz cx="6858000" cy="9144000"/>
@@ -297,7 +301,8 @@
           <a:p>
             <a:fld id="{FD0B3F3B-28D0-45C1-8CF1-49767D545F86}" type="datetimeFigureOut">
               <a:rPr lang="en-US" smtClean="0"/>
-              <a:t>10/31/2020</a:t>
+              <a:pPr/>
+              <a:t>11/2/2020</a:t>
             </a:fld>
             <a:endParaRPr lang="en-US"/>
           </a:p>
@@ -339,6 +344,7 @@
           <a:p>
             <a:fld id="{11B4C382-0FFA-4AA4-8764-B0AB6B71F8A4}" type="slidenum">
               <a:rPr lang="en-US" smtClean="0"/>
+              <a:pPr/>
               <a:t>‹#›</a:t>
             </a:fld>
             <a:endParaRPr lang="en-US"/>
@@ -462,7 +468,8 @@
           <a:p>
             <a:fld id="{FD0B3F3B-28D0-45C1-8CF1-49767D545F86}" type="datetimeFigureOut">
               <a:rPr lang="en-US" smtClean="0"/>
-              <a:t>10/31/2020</a:t>
+              <a:pPr/>
+              <a:t>11/2/2020</a:t>
             </a:fld>
             <a:endParaRPr lang="en-US"/>
           </a:p>
@@ -504,6 +511,7 @@
           <a:p>
             <a:fld id="{11B4C382-0FFA-4AA4-8764-B0AB6B71F8A4}" type="slidenum">
               <a:rPr lang="en-US" smtClean="0"/>
+              <a:pPr/>
               <a:t>‹#›</a:t>
             </a:fld>
             <a:endParaRPr lang="en-US"/>
@@ -637,7 +645,8 @@
           <a:p>
             <a:fld id="{FD0B3F3B-28D0-45C1-8CF1-49767D545F86}" type="datetimeFigureOut">
               <a:rPr lang="en-US" smtClean="0"/>
-              <a:t>10/31/2020</a:t>
+              <a:pPr/>
+              <a:t>11/2/2020</a:t>
             </a:fld>
             <a:endParaRPr lang="en-US"/>
           </a:p>
@@ -679,6 +688,7 @@
           <a:p>
             <a:fld id="{11B4C382-0FFA-4AA4-8764-B0AB6B71F8A4}" type="slidenum">
               <a:rPr lang="en-US" smtClean="0"/>
+              <a:pPr/>
               <a:t>‹#›</a:t>
             </a:fld>
             <a:endParaRPr lang="en-US"/>
@@ -802,7 +812,8 @@
           <a:p>
             <a:fld id="{FD0B3F3B-28D0-45C1-8CF1-49767D545F86}" type="datetimeFigureOut">
               <a:rPr lang="en-US" smtClean="0"/>
-              <a:t>10/31/2020</a:t>
+              <a:pPr/>
+              <a:t>11/2/2020</a:t>
             </a:fld>
             <a:endParaRPr lang="en-US"/>
           </a:p>
@@ -844,6 +855,7 @@
           <a:p>
             <a:fld id="{11B4C382-0FFA-4AA4-8764-B0AB6B71F8A4}" type="slidenum">
               <a:rPr lang="en-US" smtClean="0"/>
+              <a:pPr/>
               <a:t>‹#›</a:t>
             </a:fld>
             <a:endParaRPr lang="en-US"/>
@@ -1043,7 +1055,8 @@
           <a:p>
             <a:fld id="{FD0B3F3B-28D0-45C1-8CF1-49767D545F86}" type="datetimeFigureOut">
               <a:rPr lang="en-US" smtClean="0"/>
-              <a:t>10/31/2020</a:t>
+              <a:pPr/>
+              <a:t>11/2/2020</a:t>
             </a:fld>
             <a:endParaRPr lang="en-US"/>
           </a:p>
@@ -1085,6 +1098,7 @@
           <a:p>
             <a:fld id="{11B4C382-0FFA-4AA4-8764-B0AB6B71F8A4}" type="slidenum">
               <a:rPr lang="en-US" smtClean="0"/>
+              <a:pPr/>
               <a:t>‹#›</a:t>
             </a:fld>
             <a:endParaRPr lang="en-US"/>
@@ -1326,7 +1340,8 @@
           <a:p>
             <a:fld id="{FD0B3F3B-28D0-45C1-8CF1-49767D545F86}" type="datetimeFigureOut">
               <a:rPr lang="en-US" smtClean="0"/>
-              <a:t>10/31/2020</a:t>
+              <a:pPr/>
+              <a:t>11/2/2020</a:t>
             </a:fld>
             <a:endParaRPr lang="en-US"/>
           </a:p>
@@ -1368,6 +1383,7 @@
           <a:p>
             <a:fld id="{11B4C382-0FFA-4AA4-8764-B0AB6B71F8A4}" type="slidenum">
               <a:rPr lang="en-US" smtClean="0"/>
+              <a:pPr/>
               <a:t>‹#›</a:t>
             </a:fld>
             <a:endParaRPr lang="en-US"/>
@@ -1743,7 +1759,8 @@
           <a:p>
             <a:fld id="{FD0B3F3B-28D0-45C1-8CF1-49767D545F86}" type="datetimeFigureOut">
               <a:rPr lang="en-US" smtClean="0"/>
-              <a:t>10/31/2020</a:t>
+              <a:pPr/>
+              <a:t>11/2/2020</a:t>
             </a:fld>
             <a:endParaRPr lang="en-US"/>
           </a:p>
@@ -1785,6 +1802,7 @@
           <a:p>
             <a:fld id="{11B4C382-0FFA-4AA4-8764-B0AB6B71F8A4}" type="slidenum">
               <a:rPr lang="en-US" smtClean="0"/>
+              <a:pPr/>
               <a:t>‹#›</a:t>
             </a:fld>
             <a:endParaRPr lang="en-US"/>
@@ -1856,7 +1874,8 @@
           <a:p>
             <a:fld id="{FD0B3F3B-28D0-45C1-8CF1-49767D545F86}" type="datetimeFigureOut">
               <a:rPr lang="en-US" smtClean="0"/>
-              <a:t>10/31/2020</a:t>
+              <a:pPr/>
+              <a:t>11/2/2020</a:t>
             </a:fld>
             <a:endParaRPr lang="en-US"/>
           </a:p>
@@ -1898,6 +1917,7 @@
           <a:p>
             <a:fld id="{11B4C382-0FFA-4AA4-8764-B0AB6B71F8A4}" type="slidenum">
               <a:rPr lang="en-US" smtClean="0"/>
+              <a:pPr/>
               <a:t>‹#›</a:t>
             </a:fld>
             <a:endParaRPr lang="en-US"/>
@@ -1946,7 +1966,8 @@
           <a:p>
             <a:fld id="{FD0B3F3B-28D0-45C1-8CF1-49767D545F86}" type="datetimeFigureOut">
               <a:rPr lang="en-US" smtClean="0"/>
-              <a:t>10/31/2020</a:t>
+              <a:pPr/>
+              <a:t>11/2/2020</a:t>
             </a:fld>
             <a:endParaRPr lang="en-US"/>
           </a:p>
@@ -1988,6 +2009,7 @@
           <a:p>
             <a:fld id="{11B4C382-0FFA-4AA4-8764-B0AB6B71F8A4}" type="slidenum">
               <a:rPr lang="en-US" smtClean="0"/>
+              <a:pPr/>
               <a:t>‹#›</a:t>
             </a:fld>
             <a:endParaRPr lang="en-US"/>
@@ -2218,7 +2240,8 @@
           <a:p>
             <a:fld id="{FD0B3F3B-28D0-45C1-8CF1-49767D545F86}" type="datetimeFigureOut">
               <a:rPr lang="en-US" smtClean="0"/>
-              <a:t>10/31/2020</a:t>
+              <a:pPr/>
+              <a:t>11/2/2020</a:t>
             </a:fld>
             <a:endParaRPr lang="en-US"/>
           </a:p>
@@ -2260,6 +2283,7 @@
           <a:p>
             <a:fld id="{11B4C382-0FFA-4AA4-8764-B0AB6B71F8A4}" type="slidenum">
               <a:rPr lang="en-US" smtClean="0"/>
+              <a:pPr/>
               <a:t>‹#›</a:t>
             </a:fld>
             <a:endParaRPr lang="en-US"/>
@@ -2466,7 +2490,8 @@
           <a:p>
             <a:fld id="{FD0B3F3B-28D0-45C1-8CF1-49767D545F86}" type="datetimeFigureOut">
               <a:rPr lang="en-US" smtClean="0"/>
-              <a:t>10/31/2020</a:t>
+              <a:pPr/>
+              <a:t>11/2/2020</a:t>
             </a:fld>
             <a:endParaRPr lang="en-US"/>
           </a:p>
@@ -2508,6 +2533,7 @@
           <a:p>
             <a:fld id="{11B4C382-0FFA-4AA4-8764-B0AB6B71F8A4}" type="slidenum">
               <a:rPr lang="en-US" smtClean="0"/>
+              <a:pPr/>
               <a:t>‹#›</a:t>
             </a:fld>
             <a:endParaRPr lang="en-US"/>
@@ -2674,7 +2700,8 @@
           <a:p>
             <a:fld id="{FD0B3F3B-28D0-45C1-8CF1-49767D545F86}" type="datetimeFigureOut">
               <a:rPr lang="en-US" smtClean="0"/>
-              <a:t>10/31/2020</a:t>
+              <a:pPr/>
+              <a:t>11/2/2020</a:t>
             </a:fld>
             <a:endParaRPr lang="en-US"/>
           </a:p>
@@ -2752,6 +2779,7 @@
           <a:p>
             <a:fld id="{11B4C382-0FFA-4AA4-8764-B0AB6B71F8A4}" type="slidenum">
               <a:rPr lang="en-US" smtClean="0"/>
+              <a:pPr/>
               <a:t>‹#›</a:t>
             </a:fld>
             <a:endParaRPr lang="en-US"/>
@@ -3181,20 +3209,68 @@
           <a:p>
             <a:r>
               <a:rPr lang="en-US" dirty="0" smtClean="0"/>
-              <a:t>Resource/reference</a:t>
+              <a:t>The editor</a:t>
             </a:r>
             <a:endParaRPr lang="en-US" dirty="0"/>
           </a:p>
         </p:txBody>
       </p:sp>
-      <p:sp>
-        <p:nvSpPr>
-          <p:cNvPr id="3" name="Content Placeholder 2"/>
-          <p:cNvSpPr>
-            <a:spLocks noGrp="1"/>
-          </p:cNvSpPr>
+      <p:pic>
+        <p:nvPicPr>
+          <p:cNvPr id="4" name="Content Placeholder 3" descr="Screenshot (17).png"/>
+          <p:cNvPicPr>
+            <a:picLocks noGrp="1" noChangeAspect="1"/>
+          </p:cNvPicPr>
           <p:nvPr>
             <p:ph idx="1"/>
+          </p:nvPr>
+        </p:nvPicPr>
+        <p:blipFill>
+          <a:blip r:embed="rId2"/>
+          <a:stretch>
+            <a:fillRect/>
+          </a:stretch>
+        </p:blipFill>
+        <p:spPr>
+          <a:xfrm>
+            <a:off x="546957" y="1600200"/>
+            <a:ext cx="8050085" cy="4525963"/>
+          </a:xfrm>
+        </p:spPr>
+      </p:pic>
+    </p:spTree>
+  </p:cSld>
+  <p:clrMapOvr>
+    <a:masterClrMapping/>
+  </p:clrMapOvr>
+</p:sld>
+</file>
+
+<file path=ppt/slides/slide11.xml><?xml version="1.0" encoding="utf-8"?>
+<p:sld xmlns:a="http://schemas.openxmlformats.org/drawingml/2006/main" xmlns:r="http://schemas.openxmlformats.org/officeDocument/2006/relationships" xmlns:p="http://schemas.openxmlformats.org/presentationml/2006/main">
+  <p:cSld>
+    <p:spTree>
+      <p:nvGrpSpPr>
+        <p:cNvPr id="1" name=""/>
+        <p:cNvGrpSpPr/>
+        <p:nvPr/>
+      </p:nvGrpSpPr>
+      <p:grpSpPr>
+        <a:xfrm>
+          <a:off x="0" y="0"/>
+          <a:ext cx="0" cy="0"/>
+          <a:chOff x="0" y="0"/>
+          <a:chExt cx="0" cy="0"/>
+        </a:xfrm>
+      </p:grpSpPr>
+      <p:sp>
+        <p:nvSpPr>
+          <p:cNvPr id="2" name="Title 1"/>
+          <p:cNvSpPr>
+            <a:spLocks noGrp="1"/>
+          </p:cNvSpPr>
+          <p:nvPr>
+            <p:ph type="title"/>
           </p:nvPr>
         </p:nvSpPr>
         <p:spPr/>
@@ -3202,7 +3278,1725 @@
           <a:bodyPr/>
           <a:lstStyle/>
           <a:p>
-            <a:endParaRPr lang="en-US"/>
+            <a:r>
+              <a:rPr lang="en-US" dirty="0" smtClean="0"/>
+              <a:t>After some changes</a:t>
+            </a:r>
+            <a:endParaRPr lang="en-US" dirty="0"/>
+          </a:p>
+        </p:txBody>
+      </p:sp>
+      <p:pic>
+        <p:nvPicPr>
+          <p:cNvPr id="4" name="Content Placeholder 3" descr="Screenshot (18).png"/>
+          <p:cNvPicPr>
+            <a:picLocks noGrp="1" noChangeAspect="1"/>
+          </p:cNvPicPr>
+          <p:nvPr>
+            <p:ph idx="1"/>
+          </p:nvPr>
+        </p:nvPicPr>
+        <p:blipFill>
+          <a:blip r:embed="rId2"/>
+          <a:stretch>
+            <a:fillRect/>
+          </a:stretch>
+        </p:blipFill>
+        <p:spPr>
+          <a:xfrm>
+            <a:off x="546957" y="1600200"/>
+            <a:ext cx="8050085" cy="4525963"/>
+          </a:xfrm>
+        </p:spPr>
+      </p:pic>
+    </p:spTree>
+  </p:cSld>
+  <p:clrMapOvr>
+    <a:masterClrMapping/>
+  </p:clrMapOvr>
+</p:sld>
+</file>
+
+<file path=ppt/slides/slide12.xml><?xml version="1.0" encoding="utf-8"?>
+<p:sld xmlns:a="http://schemas.openxmlformats.org/drawingml/2006/main" xmlns:r="http://schemas.openxmlformats.org/officeDocument/2006/relationships" xmlns:p="http://schemas.openxmlformats.org/presentationml/2006/main">
+  <p:cSld>
+    <p:spTree>
+      <p:nvGrpSpPr>
+        <p:cNvPr id="1" name=""/>
+        <p:cNvGrpSpPr/>
+        <p:nvPr/>
+      </p:nvGrpSpPr>
+      <p:grpSpPr>
+        <a:xfrm>
+          <a:off x="0" y="0"/>
+          <a:ext cx="0" cy="0"/>
+          <a:chOff x="0" y="0"/>
+          <a:chExt cx="0" cy="0"/>
+        </a:xfrm>
+      </p:grpSpPr>
+      <p:sp>
+        <p:nvSpPr>
+          <p:cNvPr id="2" name="Title 1"/>
+          <p:cNvSpPr>
+            <a:spLocks noGrp="1"/>
+          </p:cNvSpPr>
+          <p:nvPr>
+            <p:ph type="title"/>
+          </p:nvPr>
+        </p:nvSpPr>
+        <p:spPr/>
+        <p:txBody>
+          <a:bodyPr/>
+          <a:lstStyle/>
+          <a:p>
+            <a:r>
+              <a:rPr lang="en-US" dirty="0" smtClean="0"/>
+              <a:t>First page</a:t>
+            </a:r>
+            <a:endParaRPr lang="en-US" dirty="0"/>
+          </a:p>
+        </p:txBody>
+      </p:sp>
+      <p:sp>
+        <p:nvSpPr>
+          <p:cNvPr id="3" name="Content Placeholder 2"/>
+          <p:cNvSpPr>
+            <a:spLocks noGrp="1"/>
+          </p:cNvSpPr>
+          <p:nvPr>
+            <p:ph idx="1"/>
+          </p:nvPr>
+        </p:nvSpPr>
+        <p:spPr/>
+        <p:txBody>
+          <a:bodyPr>
+            <a:normAutofit fontScale="25000" lnSpcReduction="20000"/>
+          </a:bodyPr>
+          <a:lstStyle/>
+          <a:p>
+            <a:r>
+              <a:rPr lang="en-US" dirty="0" smtClean="0"/>
+              <a:t>&lt;!DOCTYPE html&gt;</a:t>
+            </a:r>
+          </a:p>
+          <a:p>
+            <a:r>
+              <a:rPr lang="en-US" dirty="0" smtClean="0"/>
+              <a:t>&lt;html </a:t>
+            </a:r>
+            <a:r>
+              <a:rPr lang="en-US" dirty="0" err="1" smtClean="0"/>
+              <a:t>lang</a:t>
+            </a:r>
+            <a:r>
+              <a:rPr lang="en-US" dirty="0" smtClean="0"/>
+              <a:t>="en"&gt;</a:t>
+            </a:r>
+          </a:p>
+          <a:p>
+            <a:r>
+              <a:rPr lang="en-US" dirty="0" smtClean="0"/>
+              <a:t>    &lt;style&gt;</a:t>
+            </a:r>
+          </a:p>
+          <a:p>
+            <a:r>
+              <a:rPr lang="en-US" dirty="0" smtClean="0"/>
+              <a:t>        * {</a:t>
+            </a:r>
+          </a:p>
+          <a:p>
+            <a:r>
+              <a:rPr lang="en-US" dirty="0" smtClean="0"/>
+              <a:t>    margin: 0;</a:t>
+            </a:r>
+          </a:p>
+          <a:p>
+            <a:r>
+              <a:rPr lang="en-US" dirty="0" smtClean="0"/>
+              <a:t>    padding: 0;</a:t>
+            </a:r>
+          </a:p>
+          <a:p>
+            <a:r>
+              <a:rPr lang="en-US" dirty="0" smtClean="0"/>
+              <a:t>}</a:t>
+            </a:r>
+          </a:p>
+          <a:p>
+            <a:r>
+              <a:rPr lang="en-US" dirty="0" smtClean="0"/>
+              <a:t>body {</a:t>
+            </a:r>
+          </a:p>
+          <a:p>
+            <a:r>
+              <a:rPr lang="en-US" dirty="0" smtClean="0"/>
+              <a:t>    font-family: '</a:t>
+            </a:r>
+            <a:r>
+              <a:rPr lang="en-US" dirty="0" err="1" smtClean="0"/>
+              <a:t>Baloo</a:t>
+            </a:r>
+            <a:r>
+              <a:rPr lang="en-US" dirty="0" smtClean="0"/>
+              <a:t> 2', cursive;</a:t>
+            </a:r>
+          </a:p>
+          <a:p>
+            <a:r>
+              <a:rPr lang="en-US" dirty="0" smtClean="0"/>
+              <a:t>}</a:t>
+            </a:r>
+          </a:p>
+          <a:p>
+            <a:r>
+              <a:rPr lang="en-US" dirty="0" smtClean="0"/>
+              <a:t>.banner-text {</a:t>
+            </a:r>
+          </a:p>
+          <a:p>
+            <a:r>
+              <a:rPr lang="en-US" dirty="0" smtClean="0"/>
+              <a:t>    width: 100%;</a:t>
+            </a:r>
+          </a:p>
+          <a:p>
+            <a:r>
+              <a:rPr lang="en-US" dirty="0" smtClean="0"/>
+              <a:t>    position: absolute;</a:t>
+            </a:r>
+          </a:p>
+          <a:p>
+            <a:r>
+              <a:rPr lang="en-US" dirty="0" smtClean="0"/>
+              <a:t>    z-index: 1;</a:t>
+            </a:r>
+          </a:p>
+          <a:p>
+            <a:r>
+              <a:rPr lang="en-US" dirty="0" smtClean="0"/>
+              <a:t>}</a:t>
+            </a:r>
+          </a:p>
+          <a:p>
+            <a:r>
+              <a:rPr lang="en-US" dirty="0" smtClean="0"/>
+              <a:t>.banner-text </a:t>
+            </a:r>
+            <a:r>
+              <a:rPr lang="en-US" dirty="0" err="1" smtClean="0"/>
+              <a:t>ul</a:t>
+            </a:r>
+            <a:r>
+              <a:rPr lang="en-US" dirty="0" smtClean="0"/>
+              <a:t> {</a:t>
+            </a:r>
+          </a:p>
+          <a:p>
+            <a:r>
+              <a:rPr lang="en-US" dirty="0" smtClean="0"/>
+              <a:t>    height: 50px;</a:t>
+            </a:r>
+          </a:p>
+          <a:p>
+            <a:r>
+              <a:rPr lang="en-US" dirty="0" smtClean="0"/>
+              <a:t>    float: right;</a:t>
+            </a:r>
+          </a:p>
+          <a:p>
+            <a:r>
+              <a:rPr lang="en-US" dirty="0" smtClean="0"/>
+              <a:t>}</a:t>
+            </a:r>
+          </a:p>
+          <a:p>
+            <a:r>
+              <a:rPr lang="en-US" dirty="0" smtClean="0"/>
+              <a:t>.banner-text </a:t>
+            </a:r>
+            <a:r>
+              <a:rPr lang="en-US" dirty="0" err="1" smtClean="0"/>
+              <a:t>ul</a:t>
+            </a:r>
+            <a:r>
+              <a:rPr lang="en-US" dirty="0" smtClean="0"/>
+              <a:t> </a:t>
+            </a:r>
+            <a:r>
+              <a:rPr lang="en-US" dirty="0" err="1" smtClean="0"/>
+              <a:t>li</a:t>
+            </a:r>
+            <a:r>
+              <a:rPr lang="en-US" dirty="0" smtClean="0"/>
+              <a:t> {</a:t>
+            </a:r>
+          </a:p>
+          <a:p>
+            <a:r>
+              <a:rPr lang="en-US" dirty="0" smtClean="0"/>
+              <a:t>    display: inline-block;</a:t>
+            </a:r>
+          </a:p>
+          <a:p>
+            <a:r>
+              <a:rPr lang="en-US" dirty="0" smtClean="0"/>
+              <a:t>    padding: 40px 15px;</a:t>
+            </a:r>
+          </a:p>
+          <a:p>
+            <a:r>
+              <a:rPr lang="en-US" dirty="0" smtClean="0"/>
+              <a:t>    text-transform: uppercase;</a:t>
+            </a:r>
+          </a:p>
+          <a:p>
+            <a:r>
+              <a:rPr lang="en-US" dirty="0" smtClean="0"/>
+              <a:t>    color: #</a:t>
+            </a:r>
+            <a:r>
+              <a:rPr lang="en-US" dirty="0" err="1" smtClean="0"/>
+              <a:t>fff</a:t>
+            </a:r>
+            <a:r>
+              <a:rPr lang="en-US" dirty="0" smtClean="0"/>
+              <a:t>;</a:t>
+            </a:r>
+          </a:p>
+          <a:p>
+            <a:r>
+              <a:rPr lang="en-US" dirty="0" smtClean="0"/>
+              <a:t>    font-size: 20px;</a:t>
+            </a:r>
+          </a:p>
+          <a:p>
+            <a:r>
+              <a:rPr lang="en-US" dirty="0" smtClean="0"/>
+              <a:t>}</a:t>
+            </a:r>
+          </a:p>
+          <a:p>
+            <a:r>
+              <a:rPr lang="en-US" dirty="0" smtClean="0"/>
+              <a:t>.banner-text </a:t>
+            </a:r>
+            <a:r>
+              <a:rPr lang="en-US" dirty="0" err="1" smtClean="0"/>
+              <a:t>ul</a:t>
+            </a:r>
+            <a:r>
+              <a:rPr lang="en-US" dirty="0" smtClean="0"/>
+              <a:t> </a:t>
+            </a:r>
+            <a:r>
+              <a:rPr lang="en-US" dirty="0" err="1" smtClean="0"/>
+              <a:t>li:hover</a:t>
+            </a:r>
+            <a:r>
+              <a:rPr lang="en-US" dirty="0" smtClean="0"/>
+              <a:t> {</a:t>
+            </a:r>
+          </a:p>
+          <a:p>
+            <a:r>
+              <a:rPr lang="en-US" dirty="0" smtClean="0"/>
+              <a:t>    cursor: pointer;</a:t>
+            </a:r>
+          </a:p>
+          <a:p>
+            <a:r>
+              <a:rPr lang="en-US" dirty="0" smtClean="0"/>
+              <a:t>}</a:t>
+            </a:r>
+          </a:p>
+          <a:p>
+            <a:r>
+              <a:rPr lang="en-US" dirty="0" smtClean="0"/>
+              <a:t>.banner-text h2 {</a:t>
+            </a:r>
+          </a:p>
+          <a:p>
+            <a:r>
+              <a:rPr lang="en-US" dirty="0" smtClean="0"/>
+              <a:t>    text-align: center;</a:t>
+            </a:r>
+          </a:p>
+          <a:p>
+            <a:r>
+              <a:rPr lang="en-US" dirty="0" smtClean="0"/>
+              <a:t>    color: #</a:t>
+            </a:r>
+            <a:r>
+              <a:rPr lang="en-US" dirty="0" err="1" smtClean="0"/>
+              <a:t>fff</a:t>
+            </a:r>
+            <a:r>
+              <a:rPr lang="en-US" dirty="0" smtClean="0"/>
+              <a:t>;</a:t>
+            </a:r>
+          </a:p>
+          <a:p>
+            <a:r>
+              <a:rPr lang="en-US" dirty="0" smtClean="0"/>
+              <a:t>    font-size: 50px;</a:t>
+            </a:r>
+          </a:p>
+          <a:p>
+            <a:r>
+              <a:rPr lang="en-US" dirty="0" smtClean="0"/>
+              <a:t>    margin-top: 20%;</a:t>
+            </a:r>
+          </a:p>
+          <a:p>
+            <a:r>
+              <a:rPr lang="en-US" dirty="0" smtClean="0"/>
+              <a:t>}</a:t>
+            </a:r>
+          </a:p>
+          <a:p>
+            <a:r>
+              <a:rPr lang="en-US" dirty="0" smtClean="0"/>
+              <a:t>.animation-area {</a:t>
+            </a:r>
+          </a:p>
+          <a:p>
+            <a:r>
+              <a:rPr lang="en-US" dirty="0" smtClean="0"/>
+              <a:t>    background: linear-gradient(to left, #8942a8, #ba382f);</a:t>
+            </a:r>
+          </a:p>
+          <a:p>
+            <a:r>
+              <a:rPr lang="en-US" dirty="0" smtClean="0"/>
+              <a:t>    width: 100%;</a:t>
+            </a:r>
+          </a:p>
+          <a:p>
+            <a:r>
+              <a:rPr lang="en-US" dirty="0" smtClean="0"/>
+              <a:t>    height: 100vh;</a:t>
+            </a:r>
+          </a:p>
+          <a:p>
+            <a:r>
+              <a:rPr lang="en-US" dirty="0" smtClean="0"/>
+              <a:t>}</a:t>
+            </a:r>
+          </a:p>
+          <a:p>
+            <a:r>
+              <a:rPr lang="en-US" dirty="0" smtClean="0"/>
+              <a:t>.box-area {</a:t>
+            </a:r>
+          </a:p>
+          <a:p>
+            <a:r>
+              <a:rPr lang="en-US" dirty="0" smtClean="0"/>
+              <a:t>    position: absolute;</a:t>
+            </a:r>
+          </a:p>
+          <a:p>
+            <a:r>
+              <a:rPr lang="en-US" dirty="0" smtClean="0"/>
+              <a:t>    top: 0;</a:t>
+            </a:r>
+          </a:p>
+          <a:p>
+            <a:r>
+              <a:rPr lang="en-US" dirty="0" smtClean="0"/>
+              <a:t>    left: 0;</a:t>
+            </a:r>
+          </a:p>
+          <a:p>
+            <a:r>
+              <a:rPr lang="en-US" dirty="0" smtClean="0"/>
+              <a:t>    width: 100%;</a:t>
+            </a:r>
+          </a:p>
+          <a:p>
+            <a:r>
+              <a:rPr lang="en-US" dirty="0" smtClean="0"/>
+              <a:t>    height: 100%;</a:t>
+            </a:r>
+          </a:p>
+          <a:p>
+            <a:r>
+              <a:rPr lang="en-US" dirty="0" smtClean="0"/>
+              <a:t>    overflow: hidden;</a:t>
+            </a:r>
+          </a:p>
+          <a:p>
+            <a:r>
+              <a:rPr lang="en-US" dirty="0" smtClean="0"/>
+              <a:t>}</a:t>
+            </a:r>
+          </a:p>
+          <a:p>
+            <a:r>
+              <a:rPr lang="en-US" dirty="0" smtClean="0"/>
+              <a:t>.box-area </a:t>
+            </a:r>
+            <a:r>
+              <a:rPr lang="en-US" dirty="0" err="1" smtClean="0"/>
+              <a:t>li</a:t>
+            </a:r>
+            <a:r>
+              <a:rPr lang="en-US" dirty="0" smtClean="0"/>
+              <a:t> {</a:t>
+            </a:r>
+          </a:p>
+          <a:p>
+            <a:r>
+              <a:rPr lang="en-US" dirty="0" smtClean="0"/>
+              <a:t>    position: absolute;</a:t>
+            </a:r>
+          </a:p>
+          <a:p>
+            <a:r>
+              <a:rPr lang="en-US" dirty="0" smtClean="0"/>
+              <a:t>    display: block;</a:t>
+            </a:r>
+          </a:p>
+          <a:p>
+            <a:r>
+              <a:rPr lang="en-US" dirty="0" smtClean="0"/>
+              <a:t>    list-style: none;</a:t>
+            </a:r>
+          </a:p>
+          <a:p>
+            <a:r>
+              <a:rPr lang="en-US" dirty="0" smtClean="0"/>
+              <a:t>    width: 25px;</a:t>
+            </a:r>
+          </a:p>
+          <a:p>
+            <a:r>
+              <a:rPr lang="en-US" dirty="0" smtClean="0"/>
+              <a:t>    height: 25px;</a:t>
+            </a:r>
+          </a:p>
+          <a:p>
+            <a:r>
+              <a:rPr lang="en-US" dirty="0" smtClean="0"/>
+              <a:t>    background: </a:t>
+            </a:r>
+            <a:r>
+              <a:rPr lang="en-US" dirty="0" err="1" smtClean="0"/>
+              <a:t>rgba</a:t>
+            </a:r>
+            <a:r>
+              <a:rPr lang="en-US" dirty="0" smtClean="0"/>
+              <a:t>(255, 255, 255, 0.2);</a:t>
+            </a:r>
+          </a:p>
+          <a:p>
+            <a:r>
+              <a:rPr lang="en-US" dirty="0" smtClean="0"/>
+              <a:t>    animation: animate 20s linear infinite;</a:t>
+            </a:r>
+          </a:p>
+          <a:p>
+            <a:r>
+              <a:rPr lang="en-US" dirty="0" smtClean="0"/>
+              <a:t>    bottom: -150px;</a:t>
+            </a:r>
+          </a:p>
+          <a:p>
+            <a:r>
+              <a:rPr lang="en-US" dirty="0" smtClean="0"/>
+              <a:t>}</a:t>
+            </a:r>
+          </a:p>
+          <a:p>
+            <a:r>
+              <a:rPr lang="en-US" dirty="0" smtClean="0"/>
+              <a:t>.box-area </a:t>
+            </a:r>
+            <a:r>
+              <a:rPr lang="en-US" dirty="0" err="1" smtClean="0"/>
+              <a:t>li:nth</a:t>
+            </a:r>
+            <a:r>
+              <a:rPr lang="en-US" dirty="0" smtClean="0"/>
+              <a:t>-child(1) {</a:t>
+            </a:r>
+          </a:p>
+          <a:p>
+            <a:r>
+              <a:rPr lang="en-US" dirty="0" smtClean="0"/>
+              <a:t>    left: 86%;</a:t>
+            </a:r>
+          </a:p>
+          <a:p>
+            <a:r>
+              <a:rPr lang="en-US" dirty="0" smtClean="0"/>
+              <a:t>    width: 80px;</a:t>
+            </a:r>
+          </a:p>
+          <a:p>
+            <a:r>
+              <a:rPr lang="en-US" dirty="0" smtClean="0"/>
+              <a:t>    height: 80px;</a:t>
+            </a:r>
+          </a:p>
+          <a:p>
+            <a:r>
+              <a:rPr lang="en-US" dirty="0" smtClean="0"/>
+              <a:t>    animation-delay: 0s;</a:t>
+            </a:r>
+          </a:p>
+          <a:p>
+            <a:r>
+              <a:rPr lang="en-US" dirty="0" smtClean="0"/>
+              <a:t>}</a:t>
+            </a:r>
+          </a:p>
+          <a:p>
+            <a:r>
+              <a:rPr lang="en-US" dirty="0" smtClean="0"/>
+              <a:t>.box-area </a:t>
+            </a:r>
+            <a:r>
+              <a:rPr lang="en-US" dirty="0" err="1" smtClean="0"/>
+              <a:t>li:nth</a:t>
+            </a:r>
+            <a:r>
+              <a:rPr lang="en-US" dirty="0" smtClean="0"/>
+              <a:t>-child(2) {</a:t>
+            </a:r>
+          </a:p>
+          <a:p>
+            <a:r>
+              <a:rPr lang="en-US" dirty="0" smtClean="0"/>
+              <a:t>    left: 12%;</a:t>
+            </a:r>
+          </a:p>
+          <a:p>
+            <a:r>
+              <a:rPr lang="en-US" dirty="0" smtClean="0"/>
+              <a:t>    width: 30px;</a:t>
+            </a:r>
+          </a:p>
+          <a:p>
+            <a:r>
+              <a:rPr lang="en-US" dirty="0" smtClean="0"/>
+              <a:t>    height: 30px;</a:t>
+            </a:r>
+          </a:p>
+          <a:p>
+            <a:r>
+              <a:rPr lang="en-US" dirty="0" smtClean="0"/>
+              <a:t>    animation-delay: 1.5s;</a:t>
+            </a:r>
+          </a:p>
+          <a:p>
+            <a:r>
+              <a:rPr lang="en-US" dirty="0" smtClean="0"/>
+              <a:t>    animation-duration: 10s;</a:t>
+            </a:r>
+          </a:p>
+          <a:p>
+            <a:r>
+              <a:rPr lang="en-US" dirty="0" smtClean="0"/>
+              <a:t>}</a:t>
+            </a:r>
+          </a:p>
+          <a:p>
+            <a:r>
+              <a:rPr lang="en-US" dirty="0" smtClean="0"/>
+              <a:t>.box-area </a:t>
+            </a:r>
+            <a:r>
+              <a:rPr lang="en-US" dirty="0" err="1" smtClean="0"/>
+              <a:t>li:nth</a:t>
+            </a:r>
+            <a:r>
+              <a:rPr lang="en-US" dirty="0" smtClean="0"/>
+              <a:t>-child(3) {</a:t>
+            </a:r>
+          </a:p>
+          <a:p>
+            <a:r>
+              <a:rPr lang="en-US" dirty="0" smtClean="0"/>
+              <a:t>    left: 70%;</a:t>
+            </a:r>
+          </a:p>
+          <a:p>
+            <a:r>
+              <a:rPr lang="en-US" dirty="0" smtClean="0"/>
+              <a:t>    width: 100px;</a:t>
+            </a:r>
+          </a:p>
+          <a:p>
+            <a:r>
+              <a:rPr lang="en-US" dirty="0" smtClean="0"/>
+              <a:t>    height: 100px;</a:t>
+            </a:r>
+          </a:p>
+          <a:p>
+            <a:r>
+              <a:rPr lang="en-US" dirty="0" smtClean="0"/>
+              <a:t>    animation-delay: 5.5s;</a:t>
+            </a:r>
+          </a:p>
+          <a:p>
+            <a:r>
+              <a:rPr lang="en-US" dirty="0" smtClean="0"/>
+              <a:t>}</a:t>
+            </a:r>
+          </a:p>
+          <a:p>
+            <a:r>
+              <a:rPr lang="en-US" dirty="0" smtClean="0"/>
+              <a:t>.box-area </a:t>
+            </a:r>
+            <a:r>
+              <a:rPr lang="en-US" dirty="0" err="1" smtClean="0"/>
+              <a:t>li:nth</a:t>
+            </a:r>
+            <a:r>
+              <a:rPr lang="en-US" dirty="0" smtClean="0"/>
+              <a:t>-child(4) {</a:t>
+            </a:r>
+          </a:p>
+          <a:p>
+            <a:r>
+              <a:rPr lang="en-US" dirty="0" smtClean="0"/>
+              <a:t>    left: 42%;</a:t>
+            </a:r>
+          </a:p>
+          <a:p>
+            <a:r>
+              <a:rPr lang="en-US" dirty="0" smtClean="0"/>
+              <a:t>    width: 150px;</a:t>
+            </a:r>
+          </a:p>
+          <a:p>
+            <a:r>
+              <a:rPr lang="en-US" dirty="0" smtClean="0"/>
+              <a:t>    height: 150px;</a:t>
+            </a:r>
+          </a:p>
+          <a:p>
+            <a:r>
+              <a:rPr lang="en-US" dirty="0" smtClean="0"/>
+              <a:t>    animation-delay: 0s;</a:t>
+            </a:r>
+          </a:p>
+          <a:p>
+            <a:r>
+              <a:rPr lang="en-US" dirty="0" smtClean="0"/>
+              <a:t>    animation-duration: 15s;</a:t>
+            </a:r>
+          </a:p>
+          <a:p>
+            <a:r>
+              <a:rPr lang="en-US" dirty="0" smtClean="0"/>
+              <a:t>}</a:t>
+            </a:r>
+          </a:p>
+          <a:p>
+            <a:r>
+              <a:rPr lang="en-US" dirty="0" smtClean="0"/>
+              <a:t>.box-area </a:t>
+            </a:r>
+            <a:r>
+              <a:rPr lang="en-US" dirty="0" err="1" smtClean="0"/>
+              <a:t>li:nth</a:t>
+            </a:r>
+            <a:r>
+              <a:rPr lang="en-US" dirty="0" smtClean="0"/>
+              <a:t>-child(5) {</a:t>
+            </a:r>
+          </a:p>
+          <a:p>
+            <a:r>
+              <a:rPr lang="en-US" dirty="0" smtClean="0"/>
+              <a:t>    left: 65%;</a:t>
+            </a:r>
+          </a:p>
+          <a:p>
+            <a:r>
+              <a:rPr lang="en-US" dirty="0" smtClean="0"/>
+              <a:t>    width: 40px;</a:t>
+            </a:r>
+          </a:p>
+          <a:p>
+            <a:r>
+              <a:rPr lang="en-US" dirty="0" smtClean="0"/>
+              <a:t>    height: 40px;</a:t>
+            </a:r>
+          </a:p>
+          <a:p>
+            <a:r>
+              <a:rPr lang="en-US" dirty="0" smtClean="0"/>
+              <a:t>    animation-delay: 0s;</a:t>
+            </a:r>
+          </a:p>
+          <a:p>
+            <a:r>
+              <a:rPr lang="en-US" dirty="0" smtClean="0"/>
+              <a:t>}</a:t>
+            </a:r>
+          </a:p>
+          <a:p>
+            <a:r>
+              <a:rPr lang="en-US" dirty="0" smtClean="0"/>
+              <a:t>.box-area </a:t>
+            </a:r>
+            <a:r>
+              <a:rPr lang="en-US" dirty="0" err="1" smtClean="0"/>
+              <a:t>li:nth</a:t>
+            </a:r>
+            <a:r>
+              <a:rPr lang="en-US" dirty="0" smtClean="0"/>
+              <a:t>-child(6) {</a:t>
+            </a:r>
+          </a:p>
+          <a:p>
+            <a:r>
+              <a:rPr lang="en-US" dirty="0" smtClean="0"/>
+              <a:t>    left: 15%;</a:t>
+            </a:r>
+          </a:p>
+          <a:p>
+            <a:r>
+              <a:rPr lang="en-US" dirty="0" smtClean="0"/>
+              <a:t>    width: 110px;</a:t>
+            </a:r>
+          </a:p>
+          <a:p>
+            <a:r>
+              <a:rPr lang="en-US" dirty="0" smtClean="0"/>
+              <a:t>    height: 110px;</a:t>
+            </a:r>
+          </a:p>
+          <a:p>
+            <a:r>
+              <a:rPr lang="en-US" dirty="0" smtClean="0"/>
+              <a:t>    animation-delay: 3.5s;</a:t>
+            </a:r>
+          </a:p>
+          <a:p>
+            <a:r>
+              <a:rPr lang="en-US" dirty="0" smtClean="0"/>
+              <a:t>}</a:t>
+            </a:r>
+          </a:p>
+          <a:p>
+            <a:r>
+              <a:rPr lang="en-US" dirty="0" smtClean="0"/>
+              <a:t>@</a:t>
+            </a:r>
+            <a:r>
+              <a:rPr lang="en-US" dirty="0" err="1" smtClean="0"/>
+              <a:t>keyframes</a:t>
+            </a:r>
+            <a:r>
+              <a:rPr lang="en-US" dirty="0" smtClean="0"/>
+              <a:t> animate {</a:t>
+            </a:r>
+          </a:p>
+          <a:p>
+            <a:r>
+              <a:rPr lang="en-US" dirty="0" smtClean="0"/>
+              <a:t>    0% {</a:t>
+            </a:r>
+          </a:p>
+          <a:p>
+            <a:r>
+              <a:rPr lang="en-US" dirty="0" smtClean="0"/>
+              <a:t>        transform: </a:t>
+            </a:r>
+            <a:r>
+              <a:rPr lang="en-US" dirty="0" err="1" smtClean="0"/>
+              <a:t>translateY</a:t>
+            </a:r>
+            <a:r>
+              <a:rPr lang="en-US" dirty="0" smtClean="0"/>
+              <a:t>(0) rotate(0deg);</a:t>
+            </a:r>
+          </a:p>
+          <a:p>
+            <a:r>
+              <a:rPr lang="en-US" dirty="0" smtClean="0"/>
+              <a:t>        opacity: 1;</a:t>
+            </a:r>
+          </a:p>
+          <a:p>
+            <a:r>
+              <a:rPr lang="en-US" dirty="0" smtClean="0"/>
+              <a:t>    }</a:t>
+            </a:r>
+          </a:p>
+          <a:p>
+            <a:r>
+              <a:rPr lang="en-US" dirty="0" smtClean="0"/>
+              <a:t>    100% {</a:t>
+            </a:r>
+          </a:p>
+          <a:p>
+            <a:r>
+              <a:rPr lang="en-US" dirty="0" smtClean="0"/>
+              <a:t>        transform: </a:t>
+            </a:r>
+            <a:r>
+              <a:rPr lang="en-US" dirty="0" err="1" smtClean="0"/>
+              <a:t>translateY</a:t>
+            </a:r>
+            <a:r>
+              <a:rPr lang="en-US" dirty="0" smtClean="0"/>
+              <a:t>(-800px) rotate(360deg);</a:t>
+            </a:r>
+          </a:p>
+          <a:p>
+            <a:r>
+              <a:rPr lang="en-US" dirty="0" smtClean="0"/>
+              <a:t>        opacity: 0;</a:t>
+            </a:r>
+          </a:p>
+          <a:p>
+            <a:r>
+              <a:rPr lang="en-US" dirty="0" smtClean="0"/>
+              <a:t>    }</a:t>
+            </a:r>
+          </a:p>
+          <a:p>
+            <a:r>
+              <a:rPr lang="en-US" dirty="0" smtClean="0"/>
+              <a:t>}</a:t>
+            </a:r>
+          </a:p>
+          <a:p>
+            <a:r>
+              <a:rPr lang="en-US" dirty="0" smtClean="0"/>
+              <a:t/>
+            </a:r>
+            <a:br>
+              <a:rPr lang="en-US" dirty="0" smtClean="0"/>
+            </a:br>
+            <a:r>
+              <a:rPr lang="en-US" dirty="0" smtClean="0"/>
+              <a:t>    &lt;/style&gt;</a:t>
+            </a:r>
+          </a:p>
+          <a:p>
+            <a:r>
+              <a:rPr lang="en-US" dirty="0" smtClean="0"/>
+              <a:t>&lt;head&gt;</a:t>
+            </a:r>
+          </a:p>
+          <a:p>
+            <a:r>
+              <a:rPr lang="en-US" dirty="0" smtClean="0"/>
+              <a:t>    &lt;meta </a:t>
+            </a:r>
+            <a:r>
+              <a:rPr lang="en-US" dirty="0" err="1" smtClean="0"/>
+              <a:t>charset</a:t>
+            </a:r>
+            <a:r>
+              <a:rPr lang="en-US" dirty="0" smtClean="0"/>
+              <a:t>="UTF-8"&gt;</a:t>
+            </a:r>
+          </a:p>
+          <a:p>
+            <a:r>
+              <a:rPr lang="en-US" dirty="0" smtClean="0"/>
+              <a:t>    &lt;title&gt;animated background with pure </a:t>
+            </a:r>
+            <a:r>
+              <a:rPr lang="en-US" dirty="0" err="1" smtClean="0"/>
+              <a:t>css</a:t>
+            </a:r>
+            <a:r>
+              <a:rPr lang="en-US" dirty="0" smtClean="0"/>
+              <a:t> and html&lt;/title&gt;</a:t>
+            </a:r>
+          </a:p>
+          <a:p>
+            <a:r>
+              <a:rPr lang="en-US" dirty="0" smtClean="0"/>
+              <a:t>    &lt;link </a:t>
+            </a:r>
+            <a:r>
+              <a:rPr lang="en-US" dirty="0" err="1" smtClean="0"/>
+              <a:t>href</a:t>
+            </a:r>
+            <a:r>
+              <a:rPr lang="en-US" dirty="0" smtClean="0"/>
+              <a:t>="https://fonts.googleapis.com/css2?family=Baloo+2:wght@700&amp;display=swap" </a:t>
+            </a:r>
+            <a:r>
+              <a:rPr lang="en-US" dirty="0" err="1" smtClean="0"/>
+              <a:t>rel</a:t>
+            </a:r>
+            <a:r>
+              <a:rPr lang="en-US" dirty="0" smtClean="0"/>
+              <a:t>="</a:t>
+            </a:r>
+            <a:r>
+              <a:rPr lang="en-US" dirty="0" err="1" smtClean="0"/>
+              <a:t>stylesheet</a:t>
+            </a:r>
+            <a:r>
+              <a:rPr lang="en-US" dirty="0" smtClean="0"/>
+              <a:t>"&gt;</a:t>
+            </a:r>
+          </a:p>
+          <a:p>
+            <a:r>
+              <a:rPr lang="en-US" dirty="0" smtClean="0"/>
+              <a:t>    &lt;link </a:t>
+            </a:r>
+            <a:r>
+              <a:rPr lang="en-US" dirty="0" err="1" smtClean="0"/>
+              <a:t>href</a:t>
+            </a:r>
+            <a:r>
+              <a:rPr lang="en-US" dirty="0" smtClean="0"/>
+              <a:t>="dummy.css" </a:t>
+            </a:r>
+            <a:r>
+              <a:rPr lang="en-US" dirty="0" err="1" smtClean="0"/>
+              <a:t>rel</a:t>
+            </a:r>
+            <a:r>
+              <a:rPr lang="en-US" dirty="0" smtClean="0"/>
+              <a:t>="</a:t>
+            </a:r>
+            <a:r>
+              <a:rPr lang="en-US" dirty="0" err="1" smtClean="0"/>
+              <a:t>stylesheet</a:t>
+            </a:r>
+            <a:r>
+              <a:rPr lang="en-US" dirty="0" smtClean="0"/>
+              <a:t>"&gt;</a:t>
+            </a:r>
+          </a:p>
+          <a:p>
+            <a:r>
+              <a:rPr lang="en-US" dirty="0" smtClean="0"/>
+              <a:t>&lt;/head&gt;</a:t>
+            </a:r>
+          </a:p>
+          <a:p>
+            <a:r>
+              <a:rPr lang="en-US" dirty="0" smtClean="0"/>
+              <a:t>&lt;body&gt;</a:t>
+            </a:r>
+          </a:p>
+          <a:p>
+            <a:r>
+              <a:rPr lang="en-US" dirty="0" smtClean="0"/>
+              <a:t>    &lt;div class="banner-text"&gt;</a:t>
+            </a:r>
+          </a:p>
+          <a:p>
+            <a:r>
+              <a:rPr lang="en-US" dirty="0" smtClean="0"/>
+              <a:t>        &lt;</a:t>
+            </a:r>
+            <a:r>
+              <a:rPr lang="en-US" dirty="0" err="1" smtClean="0"/>
+              <a:t>ul</a:t>
+            </a:r>
+            <a:r>
+              <a:rPr lang="en-US" dirty="0" smtClean="0"/>
+              <a:t>&gt;</a:t>
+            </a:r>
+          </a:p>
+          <a:p>
+            <a:r>
+              <a:rPr lang="en-US" dirty="0" smtClean="0"/>
+              <a:t>            &lt;a </a:t>
+            </a:r>
+            <a:r>
+              <a:rPr lang="en-US" dirty="0" err="1" smtClean="0"/>
+              <a:t>href</a:t>
+            </a:r>
+            <a:r>
+              <a:rPr lang="en-US" dirty="0" smtClean="0"/>
+              <a:t>="https:instagram/</a:t>
+            </a:r>
+            <a:r>
+              <a:rPr lang="en-US" dirty="0" err="1" smtClean="0"/>
+              <a:t>myinstagram</a:t>
+            </a:r>
+            <a:r>
+              <a:rPr lang="en-US" dirty="0" smtClean="0"/>
+              <a:t>"&gt;INSTAGRAM&lt;/a&gt;&amp;</a:t>
+            </a:r>
+            <a:r>
+              <a:rPr lang="en-US" dirty="0" err="1" smtClean="0"/>
+              <a:t>nbsp</a:t>
+            </a:r>
+            <a:r>
+              <a:rPr lang="en-US" dirty="0" smtClean="0"/>
+              <a:t>;&amp;</a:t>
+            </a:r>
+            <a:r>
+              <a:rPr lang="en-US" dirty="0" err="1" smtClean="0"/>
+              <a:t>nbsp</a:t>
+            </a:r>
+            <a:r>
+              <a:rPr lang="en-US" dirty="0" smtClean="0"/>
+              <a:t>;&amp;</a:t>
+            </a:r>
+            <a:r>
+              <a:rPr lang="en-US" dirty="0" err="1" smtClean="0"/>
+              <a:t>nbsp</a:t>
+            </a:r>
+            <a:r>
+              <a:rPr lang="en-US" dirty="0" smtClean="0"/>
+              <a:t>;&amp;</a:t>
+            </a:r>
+            <a:r>
+              <a:rPr lang="en-US" dirty="0" err="1" smtClean="0"/>
+              <a:t>nbsp</a:t>
+            </a:r>
+            <a:r>
+              <a:rPr lang="en-US" dirty="0" smtClean="0"/>
+              <a:t>;</a:t>
+            </a:r>
+          </a:p>
+          <a:p>
+            <a:r>
+              <a:rPr lang="en-US" dirty="0" smtClean="0"/>
+              <a:t>            &lt;a </a:t>
+            </a:r>
+            <a:r>
+              <a:rPr lang="en-US" dirty="0" err="1" smtClean="0"/>
+              <a:t>href</a:t>
+            </a:r>
+            <a:r>
+              <a:rPr lang="en-US" dirty="0" smtClean="0"/>
+              <a:t>="C:\Users\7386665666\Desktop\indexh.html"&gt;LET START EDITING&lt;/a&gt;&amp;</a:t>
+            </a:r>
+            <a:r>
+              <a:rPr lang="en-US" dirty="0" err="1" smtClean="0"/>
+              <a:t>nbsp</a:t>
+            </a:r>
+            <a:r>
+              <a:rPr lang="en-US" dirty="0" smtClean="0"/>
+              <a:t>;&amp;</a:t>
+            </a:r>
+            <a:r>
+              <a:rPr lang="en-US" dirty="0" err="1" smtClean="0"/>
+              <a:t>nbsp</a:t>
+            </a:r>
+            <a:r>
+              <a:rPr lang="en-US" dirty="0" smtClean="0"/>
+              <a:t>;&amp;</a:t>
+            </a:r>
+            <a:r>
+              <a:rPr lang="en-US" dirty="0" err="1" smtClean="0"/>
+              <a:t>nbsp</a:t>
+            </a:r>
+            <a:r>
+              <a:rPr lang="en-US" dirty="0" smtClean="0"/>
+              <a:t>;&amp;</a:t>
+            </a:r>
+            <a:r>
+              <a:rPr lang="en-US" dirty="0" err="1" smtClean="0"/>
+              <a:t>nbsp</a:t>
+            </a:r>
+            <a:r>
+              <a:rPr lang="en-US" dirty="0" smtClean="0"/>
+              <a:t>;</a:t>
+            </a:r>
+          </a:p>
+          <a:p>
+            <a:r>
+              <a:rPr lang="en-US" dirty="0" smtClean="0"/>
+              <a:t>            &lt;a </a:t>
+            </a:r>
+            <a:r>
+              <a:rPr lang="en-US" dirty="0" err="1" smtClean="0"/>
+              <a:t>href</a:t>
+            </a:r>
+            <a:r>
+              <a:rPr lang="en-US" dirty="0" smtClean="0"/>
+              <a:t>="https://github.com/manukondapallavi/INT219-1"&gt;CONTACT US&lt;/a&gt;&amp;</a:t>
+            </a:r>
+            <a:r>
+              <a:rPr lang="en-US" dirty="0" err="1" smtClean="0"/>
+              <a:t>nbsp</a:t>
+            </a:r>
+            <a:r>
+              <a:rPr lang="en-US" dirty="0" smtClean="0"/>
+              <a:t>;&amp;</a:t>
+            </a:r>
+            <a:r>
+              <a:rPr lang="en-US" dirty="0" err="1" smtClean="0"/>
+              <a:t>nbsp</a:t>
+            </a:r>
+            <a:r>
+              <a:rPr lang="en-US" dirty="0" smtClean="0"/>
+              <a:t>;&amp;</a:t>
+            </a:r>
+            <a:r>
+              <a:rPr lang="en-US" dirty="0" err="1" smtClean="0"/>
+              <a:t>nbsp</a:t>
+            </a:r>
+            <a:r>
+              <a:rPr lang="en-US" dirty="0" smtClean="0"/>
+              <a:t>;&amp;</a:t>
+            </a:r>
+            <a:r>
+              <a:rPr lang="en-US" dirty="0" err="1" smtClean="0"/>
+              <a:t>nbsp</a:t>
+            </a:r>
+            <a:r>
+              <a:rPr lang="en-US" dirty="0" smtClean="0"/>
+              <a:t>;</a:t>
+            </a:r>
+          </a:p>
+          <a:p>
+            <a:r>
+              <a:rPr lang="en-US" dirty="0" smtClean="0"/>
+              <a:t>            &lt;a </a:t>
+            </a:r>
+            <a:r>
+              <a:rPr lang="en-US" dirty="0" err="1" smtClean="0"/>
+              <a:t>href</a:t>
+            </a:r>
+            <a:r>
+              <a:rPr lang="en-US" dirty="0" smtClean="0"/>
+              <a:t>=""&gt;SUBSCRIBE&lt;/a&gt;&amp;</a:t>
+            </a:r>
+            <a:r>
+              <a:rPr lang="en-US" dirty="0" err="1" smtClean="0"/>
+              <a:t>nbsp</a:t>
+            </a:r>
+            <a:r>
+              <a:rPr lang="en-US" dirty="0" smtClean="0"/>
+              <a:t>;&amp;</a:t>
+            </a:r>
+            <a:r>
+              <a:rPr lang="en-US" dirty="0" err="1" smtClean="0"/>
+              <a:t>nbsp</a:t>
+            </a:r>
+            <a:r>
+              <a:rPr lang="en-US" dirty="0" smtClean="0"/>
+              <a:t>;&amp;</a:t>
+            </a:r>
+            <a:r>
+              <a:rPr lang="en-US" dirty="0" err="1" smtClean="0"/>
+              <a:t>nbsp</a:t>
+            </a:r>
+            <a:r>
+              <a:rPr lang="en-US" dirty="0" smtClean="0"/>
+              <a:t>;&amp;</a:t>
+            </a:r>
+            <a:r>
+              <a:rPr lang="en-US" dirty="0" err="1" smtClean="0"/>
+              <a:t>nbsp</a:t>
+            </a:r>
+            <a:r>
+              <a:rPr lang="en-US" dirty="0" smtClean="0"/>
+              <a:t>;</a:t>
+            </a:r>
+          </a:p>
+          <a:p>
+            <a:r>
+              <a:rPr lang="en-US" dirty="0" smtClean="0"/>
+              <a:t>            &lt;</a:t>
+            </a:r>
+            <a:r>
+              <a:rPr lang="en-US" dirty="0" err="1" smtClean="0"/>
+              <a:t>li</a:t>
+            </a:r>
+            <a:r>
+              <a:rPr lang="en-US" dirty="0" smtClean="0"/>
+              <a:t>&gt;Contact&lt;/</a:t>
+            </a:r>
+            <a:r>
+              <a:rPr lang="en-US" dirty="0" err="1" smtClean="0"/>
+              <a:t>li</a:t>
+            </a:r>
+            <a:r>
+              <a:rPr lang="en-US" dirty="0" smtClean="0"/>
+              <a:t>&gt;</a:t>
+            </a:r>
+          </a:p>
+          <a:p>
+            <a:r>
+              <a:rPr lang="en-US" dirty="0" smtClean="0"/>
+              <a:t>        &lt;/</a:t>
+            </a:r>
+            <a:r>
+              <a:rPr lang="en-US" dirty="0" err="1" smtClean="0"/>
+              <a:t>ul</a:t>
+            </a:r>
+            <a:r>
+              <a:rPr lang="en-US" dirty="0" smtClean="0"/>
+              <a:t>&gt;</a:t>
+            </a:r>
+          </a:p>
+          <a:p>
+            <a:r>
+              <a:rPr lang="en-US" dirty="0" smtClean="0"/>
+              <a:t>        &lt;h2&gt;BASIC PHOTO EDITOR&lt;/h2&gt;</a:t>
+            </a:r>
+          </a:p>
+          <a:p>
+            <a:r>
+              <a:rPr lang="en-US" dirty="0" smtClean="0"/>
+              <a:t>        </a:t>
+            </a:r>
+          </a:p>
+          <a:p>
+            <a:r>
+              <a:rPr lang="en-US" dirty="0" smtClean="0"/>
+              <a:t>    &lt;/div&gt;</a:t>
+            </a:r>
+          </a:p>
+          <a:p>
+            <a:r>
+              <a:rPr lang="en-US" dirty="0" smtClean="0"/>
+              <a:t>    &lt;div class="animation-area"&gt;</a:t>
+            </a:r>
+          </a:p>
+          <a:p>
+            <a:r>
+              <a:rPr lang="en-US" dirty="0" smtClean="0"/>
+              <a:t>        &lt;</a:t>
+            </a:r>
+            <a:r>
+              <a:rPr lang="en-US" dirty="0" err="1" smtClean="0"/>
+              <a:t>ul</a:t>
+            </a:r>
+            <a:r>
+              <a:rPr lang="en-US" dirty="0" smtClean="0"/>
+              <a:t> class="box-area"&gt;</a:t>
+            </a:r>
+          </a:p>
+          <a:p>
+            <a:r>
+              <a:rPr lang="en-US" dirty="0" smtClean="0"/>
+              <a:t>            &lt;</a:t>
+            </a:r>
+            <a:r>
+              <a:rPr lang="en-US" dirty="0" err="1" smtClean="0"/>
+              <a:t>li</a:t>
+            </a:r>
+            <a:r>
+              <a:rPr lang="en-US" dirty="0" smtClean="0"/>
+              <a:t>&gt;&lt;/</a:t>
+            </a:r>
+            <a:r>
+              <a:rPr lang="en-US" dirty="0" err="1" smtClean="0"/>
+              <a:t>li</a:t>
+            </a:r>
+            <a:r>
+              <a:rPr lang="en-US" dirty="0" smtClean="0"/>
+              <a:t>&gt;</a:t>
+            </a:r>
+          </a:p>
+          <a:p>
+            <a:r>
+              <a:rPr lang="en-US" dirty="0" smtClean="0"/>
+              <a:t>            &lt;</a:t>
+            </a:r>
+            <a:r>
+              <a:rPr lang="en-US" dirty="0" err="1" smtClean="0"/>
+              <a:t>li</a:t>
+            </a:r>
+            <a:r>
+              <a:rPr lang="en-US" dirty="0" smtClean="0"/>
+              <a:t>&gt;&lt;/</a:t>
+            </a:r>
+            <a:r>
+              <a:rPr lang="en-US" dirty="0" err="1" smtClean="0"/>
+              <a:t>li</a:t>
+            </a:r>
+            <a:r>
+              <a:rPr lang="en-US" dirty="0" smtClean="0"/>
+              <a:t>&gt;</a:t>
+            </a:r>
+          </a:p>
+          <a:p>
+            <a:r>
+              <a:rPr lang="en-US" dirty="0" smtClean="0"/>
+              <a:t>            &lt;</a:t>
+            </a:r>
+            <a:r>
+              <a:rPr lang="en-US" dirty="0" err="1" smtClean="0"/>
+              <a:t>li</a:t>
+            </a:r>
+            <a:r>
+              <a:rPr lang="en-US" dirty="0" smtClean="0"/>
+              <a:t>&gt;&lt;/</a:t>
+            </a:r>
+            <a:r>
+              <a:rPr lang="en-US" dirty="0" err="1" smtClean="0"/>
+              <a:t>li</a:t>
+            </a:r>
+            <a:r>
+              <a:rPr lang="en-US" dirty="0" smtClean="0"/>
+              <a:t>&gt;</a:t>
+            </a:r>
+          </a:p>
+          <a:p>
+            <a:r>
+              <a:rPr lang="en-US" dirty="0" smtClean="0"/>
+              <a:t>            &lt;</a:t>
+            </a:r>
+            <a:r>
+              <a:rPr lang="en-US" dirty="0" err="1" smtClean="0"/>
+              <a:t>li</a:t>
+            </a:r>
+            <a:r>
+              <a:rPr lang="en-US" dirty="0" smtClean="0"/>
+              <a:t>&gt;&lt;/</a:t>
+            </a:r>
+            <a:r>
+              <a:rPr lang="en-US" dirty="0" err="1" smtClean="0"/>
+              <a:t>li</a:t>
+            </a:r>
+            <a:r>
+              <a:rPr lang="en-US" dirty="0" smtClean="0"/>
+              <a:t>&gt;</a:t>
+            </a:r>
+          </a:p>
+          <a:p>
+            <a:r>
+              <a:rPr lang="en-US" dirty="0" smtClean="0"/>
+              <a:t>            &lt;</a:t>
+            </a:r>
+            <a:r>
+              <a:rPr lang="en-US" dirty="0" err="1" smtClean="0"/>
+              <a:t>li</a:t>
+            </a:r>
+            <a:r>
+              <a:rPr lang="en-US" dirty="0" smtClean="0"/>
+              <a:t>&gt;&lt;/</a:t>
+            </a:r>
+            <a:r>
+              <a:rPr lang="en-US" dirty="0" err="1" smtClean="0"/>
+              <a:t>li</a:t>
+            </a:r>
+            <a:r>
+              <a:rPr lang="en-US" dirty="0" smtClean="0"/>
+              <a:t>&gt;</a:t>
+            </a:r>
+          </a:p>
+          <a:p>
+            <a:r>
+              <a:rPr lang="en-US" dirty="0" smtClean="0"/>
+              <a:t>            &lt;</a:t>
+            </a:r>
+            <a:r>
+              <a:rPr lang="en-US" dirty="0" err="1" smtClean="0"/>
+              <a:t>li</a:t>
+            </a:r>
+            <a:r>
+              <a:rPr lang="en-US" dirty="0" smtClean="0"/>
+              <a:t>&gt;&lt;/</a:t>
+            </a:r>
+            <a:r>
+              <a:rPr lang="en-US" dirty="0" err="1" smtClean="0"/>
+              <a:t>li</a:t>
+            </a:r>
+            <a:r>
+              <a:rPr lang="en-US" dirty="0" smtClean="0"/>
+              <a:t>&gt;</a:t>
+            </a:r>
+          </a:p>
+          <a:p>
+            <a:r>
+              <a:rPr lang="en-US" dirty="0" smtClean="0"/>
+              <a:t>        &lt;/</a:t>
+            </a:r>
+            <a:r>
+              <a:rPr lang="en-US" dirty="0" err="1" smtClean="0"/>
+              <a:t>ul</a:t>
+            </a:r>
+            <a:r>
+              <a:rPr lang="en-US" dirty="0" smtClean="0"/>
+              <a:t>&gt;</a:t>
+            </a:r>
+          </a:p>
+          <a:p>
+            <a:r>
+              <a:rPr lang="en-US" dirty="0" smtClean="0"/>
+              <a:t>    &lt;/div&gt;</a:t>
+            </a:r>
+          </a:p>
+          <a:p>
+            <a:r>
+              <a:rPr lang="en-US" dirty="0" smtClean="0"/>
+              <a:t>&lt;/body&gt;</a:t>
+            </a:r>
+          </a:p>
+          <a:p>
+            <a:r>
+              <a:rPr lang="en-US" dirty="0" smtClean="0"/>
+              <a:t>&lt;/html&gt;</a:t>
+            </a:r>
+          </a:p>
+          <a:p>
+            <a:r>
+              <a:rPr lang="en-US" dirty="0" smtClean="0"/>
+              <a:t/>
+            </a:r>
+            <a:br>
+              <a:rPr lang="en-US" dirty="0" smtClean="0"/>
+            </a:br>
+            <a:r>
+              <a:rPr lang="en-US" dirty="0" smtClean="0"/>
+              <a:t/>
+            </a:r>
+            <a:br>
+              <a:rPr lang="en-US" dirty="0" smtClean="0"/>
+            </a:br>
+            <a:r>
+              <a:rPr lang="en-US" dirty="0" smtClean="0"/>
+              <a:t/>
+            </a:r>
+            <a:br>
+              <a:rPr lang="en-US" dirty="0" smtClean="0"/>
+            </a:br>
+            <a:r>
+              <a:rPr lang="en-US" dirty="0" smtClean="0"/>
+              <a:t/>
+            </a:r>
+            <a:br>
+              <a:rPr lang="en-US" dirty="0" smtClean="0"/>
+            </a:br>
+            <a:endParaRPr lang="en-US" dirty="0" smtClean="0"/>
+          </a:p>
+          <a:p>
+            <a:endParaRPr lang="en-US" dirty="0"/>
+          </a:p>
+        </p:txBody>
+      </p:sp>
+    </p:spTree>
+  </p:cSld>
+  <p:clrMapOvr>
+    <a:masterClrMapping/>
+  </p:clrMapOvr>
+</p:sld>
+</file>
+
+<file path=ppt/slides/slide13.xml><?xml version="1.0" encoding="utf-8"?>
+<p:sld xmlns:a="http://schemas.openxmlformats.org/drawingml/2006/main" xmlns:r="http://schemas.openxmlformats.org/officeDocument/2006/relationships" xmlns:p="http://schemas.openxmlformats.org/presentationml/2006/main">
+  <p:cSld>
+    <p:spTree>
+      <p:nvGrpSpPr>
+        <p:cNvPr id="1" name=""/>
+        <p:cNvGrpSpPr/>
+        <p:nvPr/>
+      </p:nvGrpSpPr>
+      <p:grpSpPr>
+        <a:xfrm>
+          <a:off x="0" y="0"/>
+          <a:ext cx="0" cy="0"/>
+          <a:chOff x="0" y="0"/>
+          <a:chExt cx="0" cy="0"/>
+        </a:xfrm>
+      </p:grpSpPr>
+      <p:sp>
+        <p:nvSpPr>
+          <p:cNvPr id="2" name="Title 1"/>
+          <p:cNvSpPr>
+            <a:spLocks noGrp="1"/>
+          </p:cNvSpPr>
+          <p:nvPr>
+            <p:ph type="title"/>
+          </p:nvPr>
+        </p:nvSpPr>
+        <p:spPr/>
+        <p:txBody>
+          <a:bodyPr/>
+          <a:lstStyle/>
+          <a:p>
+            <a:r>
+              <a:rPr lang="en-US" dirty="0" err="1" smtClean="0"/>
+              <a:t>Github</a:t>
+            </a:r>
+            <a:r>
+              <a:rPr lang="en-US" dirty="0" smtClean="0"/>
+              <a:t> link</a:t>
+            </a:r>
+            <a:endParaRPr lang="en-US" dirty="0"/>
+          </a:p>
+        </p:txBody>
+      </p:sp>
+      <p:sp>
+        <p:nvSpPr>
+          <p:cNvPr id="3" name="Content Placeholder 2"/>
+          <p:cNvSpPr>
+            <a:spLocks noGrp="1"/>
+          </p:cNvSpPr>
+          <p:nvPr>
+            <p:ph idx="1"/>
+          </p:nvPr>
+        </p:nvSpPr>
+        <p:spPr/>
+        <p:txBody>
+          <a:bodyPr/>
+          <a:lstStyle/>
+          <a:p>
+            <a:pPr algn="ctr">
+              <a:buNone/>
+            </a:pPr>
+            <a:r>
+              <a:rPr lang="en-US" dirty="0" smtClean="0">
+                <a:hlinkClick r:id="rId2"/>
+              </a:rPr>
+              <a:t>https://github.com/manukondapallavi/INT219-1</a:t>
+            </a:r>
+            <a:endParaRPr lang="en-US" dirty="0" smtClean="0"/>
+          </a:p>
+          <a:p>
+            <a:pPr algn="ctr">
+              <a:buNone/>
+            </a:pPr>
+            <a:endParaRPr lang="en-US" dirty="0" smtClean="0"/>
+          </a:p>
+          <a:p>
+            <a:pPr algn="ctr">
+              <a:buNone/>
+            </a:pPr>
+            <a:r>
+              <a:rPr lang="en-US" dirty="0" smtClean="0"/>
+              <a:t>Video </a:t>
+            </a:r>
+            <a:r>
+              <a:rPr lang="en-US" dirty="0" smtClean="0"/>
+              <a:t>link</a:t>
+            </a:r>
+          </a:p>
+          <a:p>
+            <a:pPr algn="ctr">
+              <a:buNone/>
+            </a:pPr>
+            <a:endParaRPr lang="en-US" dirty="0" smtClean="0"/>
+          </a:p>
+          <a:p>
+            <a:pPr algn="ctr">
+              <a:buNone/>
+            </a:pPr>
+            <a:r>
+              <a:rPr lang="en-US" smtClean="0">
+                <a:hlinkClick r:id="rId3"/>
+              </a:rPr>
+              <a:t>https</a:t>
+            </a:r>
+            <a:r>
+              <a:rPr lang="en-US" smtClean="0">
+                <a:hlinkClick r:id="rId3"/>
+              </a:rPr>
+              <a:t>://</a:t>
+            </a:r>
+            <a:r>
+              <a:rPr lang="en-US" smtClean="0">
+                <a:hlinkClick r:id="rId3"/>
+              </a:rPr>
+              <a:t>youtu.be/GZ_u-RYEgno</a:t>
+            </a:r>
+            <a:r>
+              <a:rPr lang="en-US" smtClean="0"/>
+              <a:t> </a:t>
+            </a:r>
+            <a:endParaRPr lang="en-US" dirty="0" smtClean="0"/>
+          </a:p>
+          <a:p>
+            <a:pPr algn="ctr">
+              <a:buNone/>
+            </a:pPr>
+            <a:endParaRPr lang="en-US" dirty="0" smtClean="0"/>
+          </a:p>
+          <a:p>
+            <a:pPr algn="ctr">
+              <a:buNone/>
+            </a:pPr>
+            <a:endParaRPr lang="en-US" dirty="0"/>
+          </a:p>
+        </p:txBody>
+      </p:sp>
+    </p:spTree>
+  </p:cSld>
+  <p:clrMapOvr>
+    <a:masterClrMapping/>
+  </p:clrMapOvr>
+</p:sld>
+</file>
+
+<file path=ppt/slides/slide14.xml><?xml version="1.0" encoding="utf-8"?>
+<p:sld xmlns:a="http://schemas.openxmlformats.org/drawingml/2006/main" xmlns:r="http://schemas.openxmlformats.org/officeDocument/2006/relationships" xmlns:p="http://schemas.openxmlformats.org/presentationml/2006/main">
+  <p:cSld>
+    <p:spTree>
+      <p:nvGrpSpPr>
+        <p:cNvPr id="1" name=""/>
+        <p:cNvGrpSpPr/>
+        <p:nvPr/>
+      </p:nvGrpSpPr>
+      <p:grpSpPr>
+        <a:xfrm>
+          <a:off x="0" y="0"/>
+          <a:ext cx="0" cy="0"/>
+          <a:chOff x="0" y="0"/>
+          <a:chExt cx="0" cy="0"/>
+        </a:xfrm>
+      </p:grpSpPr>
+      <p:sp>
+        <p:nvSpPr>
+          <p:cNvPr id="2" name="Title 1"/>
+          <p:cNvSpPr>
+            <a:spLocks noGrp="1"/>
+          </p:cNvSpPr>
+          <p:nvPr>
+            <p:ph type="title"/>
+          </p:nvPr>
+        </p:nvSpPr>
+        <p:spPr/>
+        <p:txBody>
+          <a:bodyPr/>
+          <a:lstStyle/>
+          <a:p>
+            <a:r>
+              <a:rPr lang="en-US" dirty="0" smtClean="0"/>
+              <a:t>Resource/reference</a:t>
+            </a:r>
+            <a:endParaRPr lang="en-US" dirty="0"/>
+          </a:p>
+        </p:txBody>
+      </p:sp>
+      <p:sp>
+        <p:nvSpPr>
+          <p:cNvPr id="3" name="Content Placeholder 2"/>
+          <p:cNvSpPr>
+            <a:spLocks noGrp="1"/>
+          </p:cNvSpPr>
+          <p:nvPr>
+            <p:ph idx="1"/>
+          </p:nvPr>
+        </p:nvSpPr>
+        <p:spPr/>
+        <p:txBody>
+          <a:bodyPr/>
+          <a:lstStyle/>
+          <a:p>
+            <a:r>
+              <a:rPr lang="en-US" dirty="0" err="1" smtClean="0"/>
+              <a:t>Youtube</a:t>
+            </a:r>
+            <a:r>
+              <a:rPr lang="en-US" dirty="0" smtClean="0"/>
+              <a:t> </a:t>
+            </a:r>
+          </a:p>
+          <a:p>
+            <a:r>
+              <a:rPr lang="en-US" dirty="0" smtClean="0"/>
+              <a:t>w3school</a:t>
+            </a:r>
+            <a:endParaRPr lang="en-US" dirty="0"/>
           </a:p>
         </p:txBody>
       </p:sp>
@@ -3248,7 +5042,7 @@
           <a:p>
             <a:r>
               <a:rPr lang="en-US" dirty="0" smtClean="0"/>
-              <a:t>Index html part</a:t>
+              <a:t>BASIC PHOTO EDITOR</a:t>
             </a:r>
             <a:endParaRPr lang="en-US" dirty="0"/>
           </a:p>
@@ -3267,479 +5061,77 @@
         <p:spPr/>
         <p:txBody>
           <a:bodyPr>
-            <a:normAutofit fontScale="25000" lnSpcReduction="20000"/>
+            <a:normAutofit fontScale="85000" lnSpcReduction="20000"/>
           </a:bodyPr>
           <a:lstStyle/>
           <a:p>
-            <a:r>
-              <a:rPr lang="en-US" dirty="0"/>
-              <a:t>&lt;!DOCTYPE html</a:t>
-            </a:r>
-            <a:r>
-              <a:rPr lang="en-US" dirty="0" smtClean="0"/>
-              <a:t>&gt;</a:t>
-            </a:r>
-          </a:p>
-          <a:p>
-            <a:r>
-              <a:rPr lang="en-US" dirty="0" smtClean="0"/>
-              <a:t>&lt;</a:t>
-            </a:r>
-            <a:r>
-              <a:rPr lang="en-US" dirty="0"/>
-              <a:t>html </a:t>
-            </a:r>
-            <a:r>
-              <a:rPr lang="en-US" dirty="0" err="1"/>
-              <a:t>lang</a:t>
-            </a:r>
-            <a:r>
-              <a:rPr lang="en-US" dirty="0"/>
-              <a:t>="</a:t>
-            </a:r>
-            <a:r>
-              <a:rPr lang="en-US" dirty="0" smtClean="0"/>
-              <a:t>en“&gt;</a:t>
-            </a:r>
-          </a:p>
-          <a:p>
-            <a:r>
-              <a:rPr lang="en-US" dirty="0" smtClean="0"/>
-              <a:t>&lt;</a:t>
-            </a:r>
-            <a:r>
-              <a:rPr lang="en-US" dirty="0"/>
-              <a:t>head</a:t>
-            </a:r>
-            <a:r>
-              <a:rPr lang="en-US" dirty="0" smtClean="0"/>
-              <a:t>&gt;</a:t>
-            </a:r>
-          </a:p>
-          <a:p>
-            <a:r>
-              <a:rPr lang="en-US" dirty="0" smtClean="0"/>
-              <a:t> </a:t>
-            </a:r>
-            <a:r>
-              <a:rPr lang="en-US" dirty="0"/>
-              <a:t>&lt;meta </a:t>
-            </a:r>
-            <a:r>
-              <a:rPr lang="en-US" dirty="0" err="1"/>
-              <a:t>charset</a:t>
-            </a:r>
-            <a:r>
-              <a:rPr lang="en-US" dirty="0"/>
-              <a:t>="UTF-8</a:t>
-            </a:r>
-            <a:r>
-              <a:rPr lang="en-US" dirty="0" smtClean="0"/>
-              <a:t>"&gt;</a:t>
-            </a:r>
-          </a:p>
-          <a:p>
-            <a:r>
-              <a:rPr lang="en-US" dirty="0" smtClean="0"/>
-              <a:t> </a:t>
-            </a:r>
-            <a:r>
-              <a:rPr lang="en-US" dirty="0"/>
-              <a:t>&lt;meta name="viewport" content="width=device-width, initial-scale=1.0</a:t>
-            </a:r>
-            <a:r>
-              <a:rPr lang="en-US" dirty="0" smtClean="0"/>
-              <a:t>"&gt;</a:t>
-            </a:r>
-          </a:p>
-          <a:p>
-            <a:r>
-              <a:rPr lang="en-US" dirty="0" smtClean="0"/>
-              <a:t> </a:t>
-            </a:r>
-            <a:r>
-              <a:rPr lang="en-US" dirty="0"/>
-              <a:t>&lt;link </a:t>
-            </a:r>
-            <a:r>
-              <a:rPr lang="en-US" dirty="0" err="1"/>
-              <a:t>href</a:t>
-            </a:r>
-            <a:r>
-              <a:rPr lang="en-US" dirty="0"/>
-              <a:t>="</a:t>
-            </a:r>
-            <a:r>
-              <a:rPr lang="en-US" dirty="0" err="1"/>
-              <a:t>css</a:t>
-            </a:r>
-            <a:r>
-              <a:rPr lang="en-US" dirty="0"/>
-              <a:t>/style.css" </a:t>
-            </a:r>
-            <a:r>
-              <a:rPr lang="en-US" dirty="0" err="1"/>
-              <a:t>rel</a:t>
-            </a:r>
-            <a:r>
-              <a:rPr lang="en-US" dirty="0"/>
-              <a:t>="</a:t>
-            </a:r>
-            <a:r>
-              <a:rPr lang="en-US" dirty="0" err="1"/>
-              <a:t>stylesheet</a:t>
-            </a:r>
-            <a:r>
-              <a:rPr lang="en-US" dirty="0" smtClean="0"/>
-              <a:t>"&gt;</a:t>
-            </a:r>
-          </a:p>
-          <a:p>
-            <a:r>
-              <a:rPr lang="en-US" dirty="0" smtClean="0"/>
-              <a:t> </a:t>
-            </a:r>
-            <a:r>
-              <a:rPr lang="en-US" dirty="0"/>
-              <a:t>&lt;title&gt;Document&lt;/title</a:t>
-            </a:r>
-            <a:r>
-              <a:rPr lang="en-US" dirty="0" smtClean="0"/>
-              <a:t>&gt;</a:t>
-            </a:r>
-          </a:p>
-          <a:p>
-            <a:r>
-              <a:rPr lang="en-US" dirty="0" smtClean="0"/>
-              <a:t>&lt;/</a:t>
-            </a:r>
-            <a:r>
-              <a:rPr lang="en-US" dirty="0"/>
-              <a:t>head</a:t>
-            </a:r>
-            <a:r>
-              <a:rPr lang="en-US" dirty="0" smtClean="0"/>
-              <a:t>&gt;</a:t>
-            </a:r>
-          </a:p>
-          <a:p>
-            <a:r>
-              <a:rPr lang="en-US" dirty="0" smtClean="0"/>
-              <a:t>&lt;</a:t>
-            </a:r>
-            <a:r>
-              <a:rPr lang="en-US" dirty="0"/>
-              <a:t>body</a:t>
-            </a:r>
-            <a:r>
-              <a:rPr lang="en-US" dirty="0" smtClean="0"/>
-              <a:t>&gt;</a:t>
-            </a:r>
-          </a:p>
-          <a:p>
-            <a:r>
-              <a:rPr lang="en-US" dirty="0" smtClean="0"/>
-              <a:t> </a:t>
-            </a:r>
-            <a:r>
-              <a:rPr lang="en-US" dirty="0"/>
-              <a:t>&lt;section class="main"&gt; &lt;div class="container"&gt; &lt;div class="main-outer"&gt; &lt;div class="main-left"&gt; &lt;aside&gt; &lt;h3&gt;Image Filters&lt;/h3&gt; &lt;form id="slider-form"&gt; &lt;p&gt; &lt;label for="</a:t>
-            </a:r>
-            <a:r>
-              <a:rPr lang="en-US" dirty="0" err="1"/>
-              <a:t>gs</a:t>
-            </a:r>
-            <a:r>
-              <a:rPr lang="en-US" dirty="0"/>
-              <a:t>"&gt;Grayscale&lt;/label&gt; &lt;input id="</a:t>
-            </a:r>
-            <a:r>
-              <a:rPr lang="en-US" dirty="0" err="1"/>
-              <a:t>gs</a:t>
-            </a:r>
-            <a:r>
-              <a:rPr lang="en-US" dirty="0"/>
-              <a:t>" name="</a:t>
-            </a:r>
-            <a:r>
-              <a:rPr lang="en-US" dirty="0" err="1"/>
-              <a:t>gs</a:t>
-            </a:r>
-            <a:r>
-              <a:rPr lang="en-US" dirty="0"/>
-              <a:t>" type="range" min="" max="100" value="0" class="slider"&gt; &lt;/p&gt; &lt;p&gt; &lt;label for="blur"&gt;Blur&lt;/label&gt; &lt;input id="blur" name="blur" type="range" min="0" max="" value="0" class="slider"&gt; &lt;/p&gt; &lt;p&gt; &lt;label for="hue-rotate"&gt;Hue-Rotate&lt;/label&gt; &lt;input id="hue-rotate" name="hue-rotate" type="range" min="0" max="" value="0" class="slider"&gt; &lt;/p&gt; &lt;p&gt; &lt;label for="sepia"&gt;Sepia&lt;/label&gt; &lt;input id="sepia" name="sepia" type="range" min="0" max="" value="0" class="slider"&gt; &lt;/p&gt; &lt;button type="reset" &gt;Reset&lt;/button&gt; &lt;/form&gt; &lt;/aside&gt; &lt;/div&gt; &lt;div class="</a:t>
-            </a:r>
-            <a:r>
-              <a:rPr lang="en-US" dirty="0" smtClean="0"/>
-              <a:t>main-right“</a:t>
-            </a:r>
-          </a:p>
-          <a:p>
-            <a:r>
-              <a:rPr lang="en-US" dirty="0" smtClean="0"/>
-              <a:t>&gt; </a:t>
-            </a:r>
-            <a:r>
-              <a:rPr lang="en-US" dirty="0"/>
-              <a:t>&lt;form id="</a:t>
-            </a:r>
-            <a:r>
-              <a:rPr lang="en-US" dirty="0" err="1"/>
-              <a:t>myform</a:t>
-            </a:r>
-            <a:r>
-              <a:rPr lang="en-US" dirty="0" smtClean="0"/>
-              <a:t>"&gt;</a:t>
-            </a:r>
-          </a:p>
-          <a:p>
-            <a:r>
-              <a:rPr lang="en-US" dirty="0" smtClean="0"/>
-              <a:t> </a:t>
-            </a:r>
-            <a:r>
-              <a:rPr lang="en-US" dirty="0"/>
-              <a:t>&lt;input type="text" placeholder="Image URL" id="</a:t>
-            </a:r>
-            <a:r>
-              <a:rPr lang="en-US" dirty="0" err="1"/>
-              <a:t>onlineurl</a:t>
-            </a:r>
-            <a:r>
-              <a:rPr lang="en-US" dirty="0" smtClean="0"/>
-              <a:t>"&gt;</a:t>
-            </a:r>
-          </a:p>
-          <a:p>
-            <a:r>
-              <a:rPr lang="en-US" dirty="0" smtClean="0"/>
-              <a:t> </a:t>
-            </a:r>
-            <a:r>
-              <a:rPr lang="en-US" dirty="0"/>
-              <a:t>&lt;button type="submit"&gt;Change Image&lt;/button</a:t>
-            </a:r>
-            <a:r>
-              <a:rPr lang="en-US" dirty="0" smtClean="0"/>
-              <a:t>&gt;</a:t>
-            </a:r>
-          </a:p>
-          <a:p>
-            <a:r>
-              <a:rPr lang="en-US" dirty="0" smtClean="0"/>
-              <a:t> </a:t>
-            </a:r>
-            <a:r>
-              <a:rPr lang="en-US" dirty="0"/>
-              <a:t>&lt;/</a:t>
-            </a:r>
-            <a:r>
-              <a:rPr lang="en-US" dirty="0" smtClean="0"/>
-              <a:t>form&gt;</a:t>
-            </a:r>
-          </a:p>
-          <a:p>
-            <a:r>
-              <a:rPr lang="en-US" dirty="0" smtClean="0"/>
-              <a:t> </a:t>
-            </a:r>
-            <a:r>
-              <a:rPr lang="en-US" dirty="0"/>
-              <a:t>&lt;div class="</a:t>
-            </a:r>
-            <a:r>
-              <a:rPr lang="en-US" dirty="0" err="1"/>
-              <a:t>img</a:t>
-            </a:r>
-            <a:r>
-              <a:rPr lang="en-US" dirty="0"/>
-              <a:t>-area</a:t>
-            </a:r>
-            <a:r>
-              <a:rPr lang="en-US" dirty="0" smtClean="0"/>
-              <a:t>"&gt;</a:t>
-            </a:r>
-          </a:p>
-          <a:p>
-            <a:r>
-              <a:rPr lang="en-US" dirty="0" smtClean="0"/>
-              <a:t> </a:t>
-            </a:r>
-            <a:r>
-              <a:rPr lang="en-US" dirty="0"/>
-              <a:t>&lt;</a:t>
-            </a:r>
-            <a:r>
-              <a:rPr lang="en-US" dirty="0" err="1"/>
-              <a:t>img</a:t>
-            </a:r>
-            <a:r>
-              <a:rPr lang="en-US" dirty="0"/>
-              <a:t> </a:t>
-            </a:r>
-            <a:r>
-              <a:rPr lang="en-US" dirty="0" err="1"/>
-              <a:t>src</a:t>
-            </a:r>
-            <a:r>
-              <a:rPr lang="en-US" dirty="0"/>
-              <a:t>="images/car.jpg" id="</a:t>
-            </a:r>
-            <a:r>
-              <a:rPr lang="en-US" dirty="0" err="1"/>
-              <a:t>targetimage</a:t>
-            </a:r>
-            <a:r>
-              <a:rPr lang="en-US" dirty="0"/>
-              <a:t>" alt</a:t>
-            </a:r>
-            <a:r>
-              <a:rPr lang="en-US" dirty="0" smtClean="0"/>
-              <a:t>=""&gt;</a:t>
-            </a:r>
-          </a:p>
-          <a:p>
-            <a:r>
-              <a:rPr lang="en-US" dirty="0" smtClean="0"/>
-              <a:t> </a:t>
-            </a:r>
-            <a:r>
-              <a:rPr lang="en-US" dirty="0"/>
-              <a:t>&lt;/div</a:t>
-            </a:r>
-            <a:r>
-              <a:rPr lang="en-US" dirty="0" smtClean="0"/>
-              <a:t>&gt;</a:t>
-            </a:r>
-          </a:p>
-          <a:p>
-            <a:r>
-              <a:rPr lang="en-US" dirty="0" smtClean="0"/>
-              <a:t> </a:t>
-            </a:r>
-            <a:r>
-              <a:rPr lang="en-US" dirty="0"/>
-              <a:t>&lt;/div</a:t>
-            </a:r>
-            <a:r>
-              <a:rPr lang="en-US" dirty="0" smtClean="0"/>
-              <a:t>&gt;</a:t>
-            </a:r>
-          </a:p>
-          <a:p>
-            <a:r>
-              <a:rPr lang="en-US" dirty="0" smtClean="0"/>
-              <a:t> </a:t>
-            </a:r>
-            <a:r>
-              <a:rPr lang="en-US" dirty="0"/>
-              <a:t>&lt;/div</a:t>
-            </a:r>
-            <a:r>
-              <a:rPr lang="en-US" dirty="0" smtClean="0"/>
-              <a:t>&gt;</a:t>
-            </a:r>
-          </a:p>
-          <a:p>
-            <a:r>
-              <a:rPr lang="en-US" dirty="0" smtClean="0"/>
-              <a:t> </a:t>
-            </a:r>
-            <a:r>
-              <a:rPr lang="en-US" dirty="0"/>
-              <a:t>&lt;/div&gt; </a:t>
-            </a:r>
-            <a:endParaRPr lang="en-US" dirty="0" smtClean="0"/>
-          </a:p>
-          <a:p>
-            <a:r>
-              <a:rPr lang="en-US" dirty="0" smtClean="0"/>
-              <a:t>&lt;/</a:t>
-            </a:r>
-            <a:r>
-              <a:rPr lang="en-US" dirty="0"/>
-              <a:t>section&gt; </a:t>
-            </a:r>
-            <a:endParaRPr lang="en-US" dirty="0" smtClean="0"/>
-          </a:p>
-          <a:p>
-            <a:r>
-              <a:rPr lang="en-US" dirty="0" smtClean="0"/>
-              <a:t>&lt;</a:t>
-            </a:r>
-            <a:r>
-              <a:rPr lang="en-US" dirty="0"/>
-              <a:t>script </a:t>
-            </a:r>
-            <a:r>
-              <a:rPr lang="en-US" dirty="0" err="1"/>
-              <a:t>src</a:t>
-            </a:r>
-            <a:r>
-              <a:rPr lang="en-US" dirty="0"/>
-              <a:t>="</a:t>
-            </a:r>
-            <a:r>
-              <a:rPr lang="en-US" dirty="0" err="1"/>
-              <a:t>js</a:t>
-            </a:r>
-            <a:r>
-              <a:rPr lang="en-US" dirty="0"/>
-              <a:t>/main.js</a:t>
-            </a:r>
-            <a:r>
-              <a:rPr lang="en-US" dirty="0" smtClean="0"/>
-              <a:t>"&gt;</a:t>
-            </a:r>
-          </a:p>
-          <a:p>
-            <a:r>
-              <a:rPr lang="en-US" dirty="0" smtClean="0"/>
-              <a:t>&lt;/</a:t>
-            </a:r>
-            <a:r>
-              <a:rPr lang="en-US" dirty="0"/>
-              <a:t>script</a:t>
-            </a:r>
-            <a:r>
-              <a:rPr lang="en-US" dirty="0" smtClean="0"/>
-              <a:t>&gt;</a:t>
-            </a:r>
-          </a:p>
-          <a:p>
-            <a:r>
-              <a:rPr lang="en-US" dirty="0" smtClean="0"/>
-              <a:t>&lt;/</a:t>
-            </a:r>
-            <a:r>
-              <a:rPr lang="en-US" dirty="0"/>
-              <a:t>body</a:t>
-            </a:r>
-            <a:r>
-              <a:rPr lang="en-US" dirty="0" smtClean="0"/>
-              <a:t>&gt;</a:t>
-            </a:r>
-          </a:p>
-          <a:p>
-            <a:r>
-              <a:rPr lang="en-US" dirty="0" smtClean="0"/>
-              <a:t>&lt;/</a:t>
-            </a:r>
-            <a:r>
-              <a:rPr lang="en-US" dirty="0"/>
-              <a:t>html</a:t>
-            </a:r>
-            <a:r>
-              <a:rPr lang="en-US" dirty="0" smtClean="0"/>
-              <a:t>&gt;</a:t>
-            </a:r>
-            <a:r>
-              <a:rPr lang="en-US" dirty="0"/>
-              <a:t/>
-            </a:r>
-            <a:br>
-              <a:rPr lang="en-US" dirty="0"/>
-            </a:br>
+            <a:pPr>
+              <a:buNone/>
+            </a:pPr>
+            <a:r>
+              <a:rPr lang="en-US" b="1" dirty="0" smtClean="0"/>
+              <a:t>     image</a:t>
+            </a:r>
+            <a:r>
+              <a:rPr lang="en-US" dirty="0" smtClean="0"/>
+              <a:t> encompasses the processes of altering </a:t>
+            </a:r>
+            <a:r>
+              <a:rPr lang="en-US" dirty="0" smtClean="0"/>
+              <a:t>image, </a:t>
+            </a:r>
+            <a:r>
+              <a:rPr lang="en-US" dirty="0" smtClean="0"/>
+              <a:t>whether they are digital </a:t>
+            </a:r>
+            <a:r>
+              <a:rPr lang="en-US" dirty="0" smtClean="0"/>
+              <a:t>photographs, </a:t>
+            </a:r>
+            <a:r>
+              <a:rPr lang="en-US" dirty="0" smtClean="0"/>
+              <a:t>traditional photo-chemical </a:t>
+            </a:r>
+            <a:r>
+              <a:rPr lang="en-US" dirty="0" smtClean="0"/>
+              <a:t>photographs or</a:t>
+            </a:r>
+            <a:r>
+              <a:rPr lang="en-US" dirty="0" smtClean="0"/>
+              <a:t> </a:t>
+            </a:r>
+            <a:r>
+              <a:rPr lang="en-US" dirty="0" smtClean="0"/>
+              <a:t>illustrations. </a:t>
+            </a:r>
+            <a:r>
+              <a:rPr lang="en-US" dirty="0" smtClean="0"/>
+              <a:t>Traditional analog image editing is known as </a:t>
+            </a:r>
+            <a:r>
+              <a:rPr lang="en-US" dirty="0" smtClean="0"/>
+              <a:t>photo retouching, </a:t>
+            </a:r>
+            <a:r>
+              <a:rPr lang="en-US" dirty="0" smtClean="0"/>
+              <a:t>using tools such as an airbrush to modify photographs or editing illustrations with any traditional art medium. Graphic software programs, which can be broadly grouped into vector </a:t>
+            </a:r>
+            <a:r>
+              <a:rPr lang="en-US" dirty="0" smtClean="0"/>
+              <a:t>graphics  editors</a:t>
+            </a:r>
+            <a:r>
+              <a:rPr lang="en-US" dirty="0" smtClean="0"/>
+              <a:t>, raster graphics editors, and 3D modelers, are the primary tools with which a user may manipulate, enhance, and transform images. Many image editing programs are also used to render or create </a:t>
+            </a:r>
+            <a:r>
+              <a:rPr lang="en-US" dirty="0" smtClean="0"/>
+              <a:t>computer </a:t>
+            </a:r>
+            <a:r>
+              <a:rPr lang="en-US" dirty="0" smtClean="0"/>
+              <a:t>art from scratch.</a:t>
+            </a:r>
             <a:endParaRPr lang="en-US" dirty="0"/>
           </a:p>
         </p:txBody>
@@ -3788,29 +5180,46 @@
           </a:p>
         </p:txBody>
       </p:sp>
-      <p:pic>
-        <p:nvPicPr>
-          <p:cNvPr id="4" name="Content Placeholder 3" descr="Screenshot (15).png"/>
-          <p:cNvPicPr>
-            <a:picLocks noGrp="1" noChangeAspect="1"/>
-          </p:cNvPicPr>
+      <p:sp>
+        <p:nvSpPr>
+          <p:cNvPr id="3" name="Content Placeholder 2"/>
+          <p:cNvSpPr>
+            <a:spLocks noGrp="1"/>
+          </p:cNvSpPr>
           <p:nvPr>
             <p:ph idx="1"/>
           </p:nvPr>
-        </p:nvPicPr>
-        <p:blipFill>
-          <a:blip r:embed="rId2"/>
-          <a:stretch>
-            <a:fillRect/>
-          </a:stretch>
-        </p:blipFill>
-        <p:spPr>
-          <a:xfrm>
-            <a:off x="546957" y="1600200"/>
-            <a:ext cx="8050085" cy="4525963"/>
-          </a:xfrm>
-        </p:spPr>
-      </p:pic>
+        </p:nvSpPr>
+        <p:spPr/>
+        <p:txBody>
+          <a:bodyPr/>
+          <a:lstStyle/>
+          <a:p>
+            <a:r>
+              <a:rPr lang="en-US" dirty="0" smtClean="0"/>
+              <a:t>This one is the basic photo editor </a:t>
+            </a:r>
+          </a:p>
+          <a:p>
+            <a:r>
+              <a:rPr lang="en-US" dirty="0" smtClean="0"/>
+              <a:t>Where you can edit your image .all you need is to just take the image link address and place into the search bar.</a:t>
+            </a:r>
+          </a:p>
+          <a:p>
+            <a:r>
+              <a:rPr lang="en-US" dirty="0" smtClean="0"/>
+              <a:t>You can also place the link in the code or can Google as well.</a:t>
+            </a:r>
+          </a:p>
+          <a:p>
+            <a:r>
+              <a:rPr lang="en-US" dirty="0" smtClean="0"/>
+              <a:t>In this only four features are there you can add some more as well.</a:t>
+            </a:r>
+          </a:p>
+        </p:txBody>
+      </p:sp>
     </p:spTree>
   </p:cSld>
   <p:clrMapOvr>
@@ -3851,33 +5260,504 @@
           <a:bodyPr/>
           <a:lstStyle/>
           <a:p>
-            <a:endParaRPr lang="en-US"/>
-          </a:p>
-        </p:txBody>
-      </p:sp>
-      <p:pic>
-        <p:nvPicPr>
-          <p:cNvPr id="4" name="Content Placeholder 3" descr="index img.jpg"/>
-          <p:cNvPicPr>
-            <a:picLocks noGrp="1" noChangeAspect="1"/>
-          </p:cNvPicPr>
+            <a:r>
+              <a:rPr lang="en-US" dirty="0" smtClean="0"/>
+              <a:t>Index html part</a:t>
+            </a:r>
+            <a:endParaRPr lang="en-US" dirty="0"/>
+          </a:p>
+        </p:txBody>
+      </p:sp>
+      <p:sp>
+        <p:nvSpPr>
+          <p:cNvPr id="3" name="Content Placeholder 2"/>
+          <p:cNvSpPr>
+            <a:spLocks noGrp="1"/>
+          </p:cNvSpPr>
           <p:nvPr>
             <p:ph idx="1"/>
           </p:nvPr>
-        </p:nvPicPr>
-        <p:blipFill>
-          <a:blip r:embed="rId2"/>
-          <a:stretch>
-            <a:fillRect/>
-          </a:stretch>
-        </p:blipFill>
-        <p:spPr>
-          <a:xfrm>
-            <a:off x="1554691" y="1600200"/>
-            <a:ext cx="6034617" cy="4525963"/>
-          </a:xfrm>
-        </p:spPr>
-      </p:pic>
+        </p:nvSpPr>
+        <p:spPr/>
+        <p:txBody>
+          <a:bodyPr>
+            <a:normAutofit fontScale="25000" lnSpcReduction="20000"/>
+          </a:bodyPr>
+          <a:lstStyle/>
+          <a:p>
+            <a:r>
+              <a:rPr lang="en-US" dirty="0"/>
+              <a:t>&lt;!DOCTYPE html</a:t>
+            </a:r>
+            <a:r>
+              <a:rPr lang="en-US" dirty="0" smtClean="0"/>
+              <a:t>&gt;</a:t>
+            </a:r>
+          </a:p>
+          <a:p>
+            <a:r>
+              <a:rPr lang="en-US" dirty="0" smtClean="0"/>
+              <a:t>&lt;</a:t>
+            </a:r>
+            <a:r>
+              <a:rPr lang="en-US" dirty="0"/>
+              <a:t>html </a:t>
+            </a:r>
+            <a:r>
+              <a:rPr lang="en-US" dirty="0" err="1"/>
+              <a:t>lang</a:t>
+            </a:r>
+            <a:r>
+              <a:rPr lang="en-US" dirty="0"/>
+              <a:t>="</a:t>
+            </a:r>
+            <a:r>
+              <a:rPr lang="en-US" dirty="0" smtClean="0"/>
+              <a:t>en“&gt;</a:t>
+            </a:r>
+          </a:p>
+          <a:p>
+            <a:r>
+              <a:rPr lang="en-US" dirty="0" smtClean="0"/>
+              <a:t>&lt;</a:t>
+            </a:r>
+            <a:r>
+              <a:rPr lang="en-US" dirty="0"/>
+              <a:t>head</a:t>
+            </a:r>
+            <a:r>
+              <a:rPr lang="en-US" dirty="0" smtClean="0"/>
+              <a:t>&gt;</a:t>
+            </a:r>
+          </a:p>
+          <a:p>
+            <a:r>
+              <a:rPr lang="en-US" dirty="0" smtClean="0"/>
+              <a:t> </a:t>
+            </a:r>
+            <a:r>
+              <a:rPr lang="en-US" dirty="0"/>
+              <a:t>&lt;meta </a:t>
+            </a:r>
+            <a:r>
+              <a:rPr lang="en-US" dirty="0" err="1"/>
+              <a:t>charset</a:t>
+            </a:r>
+            <a:r>
+              <a:rPr lang="en-US" dirty="0"/>
+              <a:t>="UTF-8</a:t>
+            </a:r>
+            <a:r>
+              <a:rPr lang="en-US" dirty="0" smtClean="0"/>
+              <a:t>"&gt;</a:t>
+            </a:r>
+          </a:p>
+          <a:p>
+            <a:r>
+              <a:rPr lang="en-US" dirty="0" smtClean="0"/>
+              <a:t> </a:t>
+            </a:r>
+            <a:r>
+              <a:rPr lang="en-US" dirty="0"/>
+              <a:t>&lt;meta name="viewport" content="width=device-width, initial-scale=1.0</a:t>
+            </a:r>
+            <a:r>
+              <a:rPr lang="en-US" dirty="0" smtClean="0"/>
+              <a:t>"&gt;</a:t>
+            </a:r>
+          </a:p>
+          <a:p>
+            <a:r>
+              <a:rPr lang="en-US" dirty="0" smtClean="0"/>
+              <a:t> </a:t>
+            </a:r>
+            <a:r>
+              <a:rPr lang="en-US" dirty="0"/>
+              <a:t>&lt;link </a:t>
+            </a:r>
+            <a:r>
+              <a:rPr lang="en-US" dirty="0" err="1"/>
+              <a:t>href</a:t>
+            </a:r>
+            <a:r>
+              <a:rPr lang="en-US" dirty="0"/>
+              <a:t>="</a:t>
+            </a:r>
+            <a:r>
+              <a:rPr lang="en-US" dirty="0" err="1"/>
+              <a:t>css</a:t>
+            </a:r>
+            <a:r>
+              <a:rPr lang="en-US" dirty="0"/>
+              <a:t>/style.css" </a:t>
+            </a:r>
+            <a:r>
+              <a:rPr lang="en-US" dirty="0" err="1"/>
+              <a:t>rel</a:t>
+            </a:r>
+            <a:r>
+              <a:rPr lang="en-US" dirty="0"/>
+              <a:t>="</a:t>
+            </a:r>
+            <a:r>
+              <a:rPr lang="en-US" dirty="0" err="1"/>
+              <a:t>stylesheet</a:t>
+            </a:r>
+            <a:r>
+              <a:rPr lang="en-US" dirty="0" smtClean="0"/>
+              <a:t>"&gt;</a:t>
+            </a:r>
+          </a:p>
+          <a:p>
+            <a:r>
+              <a:rPr lang="en-US" dirty="0" smtClean="0"/>
+              <a:t> </a:t>
+            </a:r>
+            <a:r>
+              <a:rPr lang="en-US" dirty="0"/>
+              <a:t>&lt;title&gt;Document&lt;/title</a:t>
+            </a:r>
+            <a:r>
+              <a:rPr lang="en-US" dirty="0" smtClean="0"/>
+              <a:t>&gt;</a:t>
+            </a:r>
+          </a:p>
+          <a:p>
+            <a:r>
+              <a:rPr lang="en-US" dirty="0" smtClean="0"/>
+              <a:t>&lt;/</a:t>
+            </a:r>
+            <a:r>
+              <a:rPr lang="en-US" dirty="0"/>
+              <a:t>head</a:t>
+            </a:r>
+            <a:r>
+              <a:rPr lang="en-US" dirty="0" smtClean="0"/>
+              <a:t>&gt;</a:t>
+            </a:r>
+          </a:p>
+          <a:p>
+            <a:r>
+              <a:rPr lang="en-US" dirty="0" smtClean="0"/>
+              <a:t>&lt;</a:t>
+            </a:r>
+            <a:r>
+              <a:rPr lang="en-US" dirty="0"/>
+              <a:t>body</a:t>
+            </a:r>
+            <a:r>
+              <a:rPr lang="en-US" dirty="0" smtClean="0"/>
+              <a:t>&gt;</a:t>
+            </a:r>
+          </a:p>
+          <a:p>
+            <a:r>
+              <a:rPr lang="en-US" dirty="0" smtClean="0"/>
+              <a:t> </a:t>
+            </a:r>
+            <a:r>
+              <a:rPr lang="en-US" dirty="0"/>
+              <a:t>&lt;section class="main"&gt; &lt;div class="container"&gt; &lt;div class="main-outer"&gt; &lt;div class="main-left"&gt; &lt;aside&gt; &lt;h3&gt;Image Filters&lt;/h3&gt; &lt;form id="slider-form"&gt; &lt;p&gt; &lt;label for="</a:t>
+            </a:r>
+            <a:r>
+              <a:rPr lang="en-US" dirty="0" err="1"/>
+              <a:t>gs</a:t>
+            </a:r>
+            <a:r>
+              <a:rPr lang="en-US" dirty="0"/>
+              <a:t>"&gt;Grayscale&lt;/label&gt; &lt;input id="</a:t>
+            </a:r>
+            <a:r>
+              <a:rPr lang="en-US" dirty="0" err="1"/>
+              <a:t>gs</a:t>
+            </a:r>
+            <a:r>
+              <a:rPr lang="en-US" dirty="0"/>
+              <a:t>" name="</a:t>
+            </a:r>
+            <a:r>
+              <a:rPr lang="en-US" dirty="0" err="1"/>
+              <a:t>gs</a:t>
+            </a:r>
+            <a:r>
+              <a:rPr lang="en-US" dirty="0"/>
+              <a:t>" type="range" min="" max="100" value="0" class="slider"&gt; &lt;/p&gt; &lt;p&gt; &lt;label for="blur"&gt;Blur&lt;/label&gt; &lt;input id="blur" name="blur" type="range" min="0" max="" value="0" class="slider"&gt; &lt;/p&gt; &lt;p&gt; &lt;label for="hue-rotate"&gt;Hue-Rotate&lt;/label&gt; &lt;input id="hue-rotate" name="hue-rotate" type="range" min="0" max="" value="0" class="slider"&gt; &lt;/p&gt; &lt;p&gt; &lt;label for="sepia"&gt;Sepia&lt;/label&gt; &lt;input id="sepia" name="sepia" type="range" min="0" max="" value="0" class="slider"&gt; &lt;/p&gt; &lt;button type="reset" &gt;Reset&lt;/button&gt; &lt;/form&gt; &lt;/aside&gt; &lt;/div&gt; &lt;div class="</a:t>
+            </a:r>
+            <a:r>
+              <a:rPr lang="en-US" dirty="0" smtClean="0"/>
+              <a:t>main-right“</a:t>
+            </a:r>
+          </a:p>
+          <a:p>
+            <a:r>
+              <a:rPr lang="en-US" dirty="0" smtClean="0"/>
+              <a:t>&gt; </a:t>
+            </a:r>
+            <a:r>
+              <a:rPr lang="en-US" dirty="0"/>
+              <a:t>&lt;form id="</a:t>
+            </a:r>
+            <a:r>
+              <a:rPr lang="en-US" dirty="0" err="1"/>
+              <a:t>myform</a:t>
+            </a:r>
+            <a:r>
+              <a:rPr lang="en-US" dirty="0" smtClean="0"/>
+              <a:t>"&gt;</a:t>
+            </a:r>
+          </a:p>
+          <a:p>
+            <a:r>
+              <a:rPr lang="en-US" dirty="0" smtClean="0"/>
+              <a:t> </a:t>
+            </a:r>
+            <a:r>
+              <a:rPr lang="en-US" dirty="0"/>
+              <a:t>&lt;input type="text" placeholder="Image URL" id="</a:t>
+            </a:r>
+            <a:r>
+              <a:rPr lang="en-US" dirty="0" err="1"/>
+              <a:t>onlineurl</a:t>
+            </a:r>
+            <a:r>
+              <a:rPr lang="en-US" dirty="0" smtClean="0"/>
+              <a:t>"&gt;</a:t>
+            </a:r>
+          </a:p>
+          <a:p>
+            <a:r>
+              <a:rPr lang="en-US" dirty="0" smtClean="0"/>
+              <a:t> </a:t>
+            </a:r>
+            <a:r>
+              <a:rPr lang="en-US" dirty="0"/>
+              <a:t>&lt;button type="submit"&gt;Change Image&lt;/button</a:t>
+            </a:r>
+            <a:r>
+              <a:rPr lang="en-US" dirty="0" smtClean="0"/>
+              <a:t>&gt;</a:t>
+            </a:r>
+          </a:p>
+          <a:p>
+            <a:r>
+              <a:rPr lang="en-US" dirty="0" smtClean="0"/>
+              <a:t> </a:t>
+            </a:r>
+            <a:r>
+              <a:rPr lang="en-US" dirty="0"/>
+              <a:t>&lt;/</a:t>
+            </a:r>
+            <a:r>
+              <a:rPr lang="en-US" dirty="0" smtClean="0"/>
+              <a:t>form&gt;</a:t>
+            </a:r>
+          </a:p>
+          <a:p>
+            <a:r>
+              <a:rPr lang="en-US" dirty="0" smtClean="0"/>
+              <a:t> </a:t>
+            </a:r>
+            <a:r>
+              <a:rPr lang="en-US" dirty="0"/>
+              <a:t>&lt;div class="</a:t>
+            </a:r>
+            <a:r>
+              <a:rPr lang="en-US" dirty="0" err="1"/>
+              <a:t>img</a:t>
+            </a:r>
+            <a:r>
+              <a:rPr lang="en-US" dirty="0"/>
+              <a:t>-area</a:t>
+            </a:r>
+            <a:r>
+              <a:rPr lang="en-US" dirty="0" smtClean="0"/>
+              <a:t>"&gt;</a:t>
+            </a:r>
+          </a:p>
+          <a:p>
+            <a:r>
+              <a:rPr lang="en-US" dirty="0" smtClean="0"/>
+              <a:t> </a:t>
+            </a:r>
+            <a:r>
+              <a:rPr lang="en-US" dirty="0"/>
+              <a:t>&lt;</a:t>
+            </a:r>
+            <a:r>
+              <a:rPr lang="en-US" dirty="0" err="1"/>
+              <a:t>img</a:t>
+            </a:r>
+            <a:r>
+              <a:rPr lang="en-US" dirty="0"/>
+              <a:t> </a:t>
+            </a:r>
+            <a:r>
+              <a:rPr lang="en-US" dirty="0" err="1"/>
+              <a:t>src</a:t>
+            </a:r>
+            <a:r>
+              <a:rPr lang="en-US" dirty="0"/>
+              <a:t>="images/car.jpg" id="</a:t>
+            </a:r>
+            <a:r>
+              <a:rPr lang="en-US" dirty="0" err="1"/>
+              <a:t>targetimage</a:t>
+            </a:r>
+            <a:r>
+              <a:rPr lang="en-US" dirty="0"/>
+              <a:t>" alt</a:t>
+            </a:r>
+            <a:r>
+              <a:rPr lang="en-US" dirty="0" smtClean="0"/>
+              <a:t>=""&gt;</a:t>
+            </a:r>
+          </a:p>
+          <a:p>
+            <a:r>
+              <a:rPr lang="en-US" dirty="0" smtClean="0"/>
+              <a:t> </a:t>
+            </a:r>
+            <a:r>
+              <a:rPr lang="en-US" dirty="0"/>
+              <a:t>&lt;/div</a:t>
+            </a:r>
+            <a:r>
+              <a:rPr lang="en-US" dirty="0" smtClean="0"/>
+              <a:t>&gt;</a:t>
+            </a:r>
+          </a:p>
+          <a:p>
+            <a:r>
+              <a:rPr lang="en-US" dirty="0" smtClean="0"/>
+              <a:t> </a:t>
+            </a:r>
+            <a:r>
+              <a:rPr lang="en-US" dirty="0"/>
+              <a:t>&lt;/div</a:t>
+            </a:r>
+            <a:r>
+              <a:rPr lang="en-US" dirty="0" smtClean="0"/>
+              <a:t>&gt;</a:t>
+            </a:r>
+          </a:p>
+          <a:p>
+            <a:r>
+              <a:rPr lang="en-US" dirty="0" smtClean="0"/>
+              <a:t> </a:t>
+            </a:r>
+            <a:r>
+              <a:rPr lang="en-US" dirty="0"/>
+              <a:t>&lt;/div</a:t>
+            </a:r>
+            <a:r>
+              <a:rPr lang="en-US" dirty="0" smtClean="0"/>
+              <a:t>&gt;</a:t>
+            </a:r>
+          </a:p>
+          <a:p>
+            <a:r>
+              <a:rPr lang="en-US" dirty="0" smtClean="0"/>
+              <a:t> </a:t>
+            </a:r>
+            <a:r>
+              <a:rPr lang="en-US" dirty="0"/>
+              <a:t>&lt;/div&gt; </a:t>
+            </a:r>
+            <a:endParaRPr lang="en-US" dirty="0" smtClean="0"/>
+          </a:p>
+          <a:p>
+            <a:r>
+              <a:rPr lang="en-US" dirty="0" smtClean="0"/>
+              <a:t>&lt;/</a:t>
+            </a:r>
+            <a:r>
+              <a:rPr lang="en-US" dirty="0"/>
+              <a:t>section&gt; </a:t>
+            </a:r>
+            <a:endParaRPr lang="en-US" dirty="0" smtClean="0"/>
+          </a:p>
+          <a:p>
+            <a:r>
+              <a:rPr lang="en-US" dirty="0" smtClean="0"/>
+              <a:t>&lt;</a:t>
+            </a:r>
+            <a:r>
+              <a:rPr lang="en-US" dirty="0"/>
+              <a:t>script </a:t>
+            </a:r>
+            <a:r>
+              <a:rPr lang="en-US" dirty="0" err="1"/>
+              <a:t>src</a:t>
+            </a:r>
+            <a:r>
+              <a:rPr lang="en-US" dirty="0"/>
+              <a:t>="</a:t>
+            </a:r>
+            <a:r>
+              <a:rPr lang="en-US" dirty="0" err="1"/>
+              <a:t>js</a:t>
+            </a:r>
+            <a:r>
+              <a:rPr lang="en-US" dirty="0"/>
+              <a:t>/main.js</a:t>
+            </a:r>
+            <a:r>
+              <a:rPr lang="en-US" dirty="0" smtClean="0"/>
+              <a:t>"&gt;</a:t>
+            </a:r>
+          </a:p>
+          <a:p>
+            <a:r>
+              <a:rPr lang="en-US" dirty="0" smtClean="0"/>
+              <a:t>&lt;/</a:t>
+            </a:r>
+            <a:r>
+              <a:rPr lang="en-US" dirty="0"/>
+              <a:t>script</a:t>
+            </a:r>
+            <a:r>
+              <a:rPr lang="en-US" dirty="0" smtClean="0"/>
+              <a:t>&gt;</a:t>
+            </a:r>
+          </a:p>
+          <a:p>
+            <a:r>
+              <a:rPr lang="en-US" dirty="0" smtClean="0"/>
+              <a:t>&lt;/</a:t>
+            </a:r>
+            <a:r>
+              <a:rPr lang="en-US" dirty="0"/>
+              <a:t>body</a:t>
+            </a:r>
+            <a:r>
+              <a:rPr lang="en-US" dirty="0" smtClean="0"/>
+              <a:t>&gt;</a:t>
+            </a:r>
+          </a:p>
+          <a:p>
+            <a:r>
+              <a:rPr lang="en-US" dirty="0" smtClean="0"/>
+              <a:t>&lt;/</a:t>
+            </a:r>
+            <a:r>
+              <a:rPr lang="en-US" dirty="0"/>
+              <a:t>html</a:t>
+            </a:r>
+            <a:r>
+              <a:rPr lang="en-US" dirty="0" smtClean="0"/>
+              <a:t>&gt;</a:t>
+            </a:r>
+            <a:r>
+              <a:rPr lang="en-US" dirty="0"/>
+              <a:t/>
+            </a:r>
+            <a:br>
+              <a:rPr lang="en-US" dirty="0"/>
+            </a:br>
+            <a:endParaRPr lang="en-US" dirty="0"/>
+          </a:p>
+        </p:txBody>
+      </p:sp>
     </p:spTree>
   </p:cSld>
   <p:clrMapOvr>
@@ -3918,462 +5798,33 @@
           <a:bodyPr/>
           <a:lstStyle/>
           <a:p>
-            <a:r>
-              <a:rPr lang="en-US" dirty="0" smtClean="0"/>
-              <a:t>Js part</a:t>
-            </a:r>
-            <a:endParaRPr lang="en-US" dirty="0"/>
-          </a:p>
-        </p:txBody>
-      </p:sp>
-      <p:sp>
-        <p:nvSpPr>
-          <p:cNvPr id="3" name="Content Placeholder 2"/>
-          <p:cNvSpPr>
-            <a:spLocks noGrp="1"/>
-          </p:cNvSpPr>
+            <a:endParaRPr lang="en-US"/>
+          </a:p>
+        </p:txBody>
+      </p:sp>
+      <p:pic>
+        <p:nvPicPr>
+          <p:cNvPr id="4" name="Content Placeholder 3" descr="Screenshot (15).png"/>
+          <p:cNvPicPr>
+            <a:picLocks noGrp="1" noChangeAspect="1"/>
+          </p:cNvPicPr>
           <p:nvPr>
             <p:ph idx="1"/>
           </p:nvPr>
-        </p:nvSpPr>
-        <p:spPr/>
-        <p:txBody>
-          <a:bodyPr>
-            <a:normAutofit fontScale="62500" lnSpcReduction="20000"/>
-          </a:bodyPr>
-          <a:lstStyle/>
-          <a:p>
-            <a:r>
-              <a:rPr lang="en-US" dirty="0"/>
-              <a:t>let </a:t>
-            </a:r>
-            <a:r>
-              <a:rPr lang="en-US" dirty="0" err="1"/>
-              <a:t>myform</a:t>
-            </a:r>
-            <a:r>
-              <a:rPr lang="en-US" dirty="0"/>
-              <a:t> = </a:t>
-            </a:r>
-            <a:r>
-              <a:rPr lang="en-US" dirty="0" err="1"/>
-              <a:t>document.getElementById</a:t>
-            </a:r>
-            <a:r>
-              <a:rPr lang="en-US" dirty="0"/>
-              <a:t>('</a:t>
-            </a:r>
-            <a:r>
-              <a:rPr lang="en-US" dirty="0" err="1"/>
-              <a:t>myform</a:t>
-            </a:r>
-            <a:r>
-              <a:rPr lang="en-US" dirty="0"/>
-              <a:t>');let </a:t>
-            </a:r>
-            <a:r>
-              <a:rPr lang="en-US" dirty="0" err="1"/>
-              <a:t>targetimage</a:t>
-            </a:r>
-            <a:r>
-              <a:rPr lang="en-US" dirty="0"/>
-              <a:t> = </a:t>
-            </a:r>
-            <a:r>
-              <a:rPr lang="en-US" dirty="0" err="1"/>
-              <a:t>document.getElementById</a:t>
-            </a:r>
-            <a:r>
-              <a:rPr lang="en-US" dirty="0"/>
-              <a:t>('</a:t>
-            </a:r>
-            <a:r>
-              <a:rPr lang="en-US" dirty="0" err="1"/>
-              <a:t>targetimage</a:t>
-            </a:r>
-            <a:r>
-              <a:rPr lang="en-US" dirty="0"/>
-              <a:t>');let </a:t>
-            </a:r>
-            <a:r>
-              <a:rPr lang="en-US" dirty="0" err="1"/>
-              <a:t>inputrange</a:t>
-            </a:r>
-            <a:r>
-              <a:rPr lang="en-US" dirty="0"/>
-              <a:t> = </a:t>
-            </a:r>
-            <a:r>
-              <a:rPr lang="en-US" dirty="0" err="1"/>
-              <a:t>document.querySelectorAll</a:t>
-            </a:r>
-            <a:r>
-              <a:rPr lang="en-US" dirty="0"/>
-              <a:t>('.slider');</a:t>
-            </a:r>
-            <a:r>
-              <a:rPr lang="en-US" dirty="0" err="1"/>
-              <a:t>myform.addEventListener</a:t>
-            </a:r>
-            <a:r>
-              <a:rPr lang="en-US" dirty="0"/>
-              <a:t>('submit', function(e){let </a:t>
-            </a:r>
-            <a:r>
-              <a:rPr lang="en-US" dirty="0" err="1"/>
-              <a:t>urlimage</a:t>
-            </a:r>
-            <a:r>
-              <a:rPr lang="en-US" dirty="0"/>
-              <a:t> = </a:t>
-            </a:r>
-            <a:r>
-              <a:rPr lang="en-US" dirty="0" err="1"/>
-              <a:t>document.getElementById</a:t>
-            </a:r>
-            <a:r>
-              <a:rPr lang="en-US" dirty="0"/>
-              <a:t>('</a:t>
-            </a:r>
-            <a:r>
-              <a:rPr lang="en-US" dirty="0" err="1"/>
-              <a:t>onlineurl</a:t>
-            </a:r>
-            <a:r>
-              <a:rPr lang="en-US" dirty="0"/>
-              <a:t>');let </a:t>
-            </a:r>
-            <a:r>
-              <a:rPr lang="en-US" dirty="0" err="1"/>
-              <a:t>urlimageval</a:t>
-            </a:r>
-            <a:r>
-              <a:rPr lang="en-US" dirty="0"/>
-              <a:t> = </a:t>
-            </a:r>
-            <a:r>
-              <a:rPr lang="en-US" dirty="0" err="1"/>
-              <a:t>urlimage.value</a:t>
-            </a:r>
-            <a:r>
-              <a:rPr lang="en-US" dirty="0"/>
-              <a:t>; if(</a:t>
-            </a:r>
-            <a:r>
-              <a:rPr lang="en-US" dirty="0" err="1"/>
-              <a:t>urlimageval.length</a:t>
-            </a:r>
-            <a:r>
-              <a:rPr lang="en-US" dirty="0"/>
-              <a:t>){ </a:t>
-            </a:r>
-            <a:r>
-              <a:rPr lang="en-US" dirty="0" err="1"/>
-              <a:t>targetimage.setAttribute</a:t>
-            </a:r>
-            <a:r>
-              <a:rPr lang="en-US" dirty="0"/>
-              <a:t>('</a:t>
-            </a:r>
-            <a:r>
-              <a:rPr lang="en-US" dirty="0" err="1"/>
-              <a:t>src',urlimageval</a:t>
-            </a:r>
-            <a:r>
-              <a:rPr lang="en-US" dirty="0"/>
-              <a:t>); </a:t>
-            </a:r>
-            <a:r>
-              <a:rPr lang="en-US" dirty="0" err="1"/>
-              <a:t>urlimage.value</a:t>
-            </a:r>
-            <a:r>
-              <a:rPr lang="en-US" dirty="0"/>
-              <a:t> = ''; } </a:t>
-            </a:r>
-            <a:r>
-              <a:rPr lang="en-US" dirty="0" err="1"/>
-              <a:t>e.preventDefault</a:t>
-            </a:r>
-            <a:r>
-              <a:rPr lang="en-US" dirty="0"/>
-              <a:t>(); console.log('done');};for(let </a:t>
-            </a:r>
-            <a:r>
-              <a:rPr lang="en-US" dirty="0" err="1"/>
-              <a:t>i</a:t>
-            </a:r>
-            <a:r>
-              <a:rPr lang="en-US" dirty="0"/>
-              <a:t>=0; </a:t>
-            </a:r>
-            <a:r>
-              <a:rPr lang="en-US" dirty="0" err="1"/>
-              <a:t>i</a:t>
-            </a:r>
-            <a:r>
-              <a:rPr lang="en-US" dirty="0"/>
-              <a:t>&lt;=inputrange.length-1; </a:t>
-            </a:r>
-            <a:r>
-              <a:rPr lang="en-US" dirty="0" err="1"/>
-              <a:t>i</a:t>
-            </a:r>
-            <a:r>
-              <a:rPr lang="en-US" dirty="0"/>
-              <a:t>++ ){ </a:t>
-            </a:r>
-            <a:r>
-              <a:rPr lang="en-US" dirty="0" err="1"/>
-              <a:t>inputrange</a:t>
-            </a:r>
-            <a:r>
-              <a:rPr lang="en-US" dirty="0"/>
-              <a:t>[</a:t>
-            </a:r>
-            <a:r>
-              <a:rPr lang="en-US" dirty="0" err="1"/>
-              <a:t>i</a:t>
-            </a:r>
-            <a:r>
-              <a:rPr lang="en-US" dirty="0"/>
-              <a:t>].</a:t>
-            </a:r>
-            <a:r>
-              <a:rPr lang="en-US" dirty="0" err="1"/>
-              <a:t>addEventListener</a:t>
-            </a:r>
-            <a:r>
-              <a:rPr lang="en-US" dirty="0"/>
-              <a:t>('input', </a:t>
-            </a:r>
-            <a:r>
-              <a:rPr lang="en-US" dirty="0" err="1"/>
-              <a:t>editimage</a:t>
-            </a:r>
-            <a:r>
-              <a:rPr lang="en-US" dirty="0"/>
-              <a:t>);}function </a:t>
-            </a:r>
-            <a:r>
-              <a:rPr lang="en-US" dirty="0" err="1"/>
-              <a:t>editimage</a:t>
-            </a:r>
-            <a:r>
-              <a:rPr lang="en-US" dirty="0"/>
-              <a:t>(){ let </a:t>
-            </a:r>
-            <a:r>
-              <a:rPr lang="en-US" dirty="0" err="1"/>
-              <a:t>gs</a:t>
-            </a:r>
-            <a:r>
-              <a:rPr lang="en-US" dirty="0"/>
-              <a:t> = </a:t>
-            </a:r>
-            <a:r>
-              <a:rPr lang="en-US" dirty="0" err="1"/>
-              <a:t>document.getElementById</a:t>
-            </a:r>
-            <a:r>
-              <a:rPr lang="en-US" dirty="0"/>
-              <a:t>('</a:t>
-            </a:r>
-            <a:r>
-              <a:rPr lang="en-US" dirty="0" err="1"/>
-              <a:t>gs'</a:t>
-            </a:r>
-            <a:r>
-              <a:rPr lang="en-US" dirty="0"/>
-              <a:t>); let blur = </a:t>
-            </a:r>
-            <a:r>
-              <a:rPr lang="en-US" dirty="0" err="1"/>
-              <a:t>document.getElementById</a:t>
-            </a:r>
-            <a:r>
-              <a:rPr lang="en-US" dirty="0"/>
-              <a:t>('blur'); let </a:t>
-            </a:r>
-            <a:r>
-              <a:rPr lang="en-US" dirty="0" err="1"/>
-              <a:t>huerotate</a:t>
-            </a:r>
-            <a:r>
-              <a:rPr lang="en-US" dirty="0"/>
-              <a:t> = </a:t>
-            </a:r>
-            <a:r>
-              <a:rPr lang="en-US" dirty="0" err="1"/>
-              <a:t>document.getElementById</a:t>
-            </a:r>
-            <a:r>
-              <a:rPr lang="en-US" dirty="0"/>
-              <a:t>('hue-rotate'); let sepia = </a:t>
-            </a:r>
-            <a:r>
-              <a:rPr lang="en-US" dirty="0" err="1"/>
-              <a:t>document.getElementById</a:t>
-            </a:r>
-            <a:r>
-              <a:rPr lang="en-US" dirty="0"/>
-              <a:t>('sepia'); let </a:t>
-            </a:r>
-            <a:r>
-              <a:rPr lang="en-US" dirty="0" err="1"/>
-              <a:t>gsval</a:t>
-            </a:r>
-            <a:r>
-              <a:rPr lang="en-US" dirty="0"/>
-              <a:t> = </a:t>
-            </a:r>
-            <a:r>
-              <a:rPr lang="en-US" dirty="0" err="1"/>
-              <a:t>gs.value</a:t>
-            </a:r>
-            <a:r>
-              <a:rPr lang="en-US" dirty="0"/>
-              <a:t>; let </a:t>
-            </a:r>
-            <a:r>
-              <a:rPr lang="en-US" dirty="0" err="1"/>
-              <a:t>blurval</a:t>
-            </a:r>
-            <a:r>
-              <a:rPr lang="en-US" dirty="0"/>
-              <a:t> = </a:t>
-            </a:r>
-            <a:r>
-              <a:rPr lang="en-US" dirty="0" err="1"/>
-              <a:t>blur.value</a:t>
-            </a:r>
-            <a:r>
-              <a:rPr lang="en-US" dirty="0"/>
-              <a:t>; let </a:t>
-            </a:r>
-            <a:r>
-              <a:rPr lang="en-US" dirty="0" err="1"/>
-              <a:t>huerotateval</a:t>
-            </a:r>
-            <a:r>
-              <a:rPr lang="en-US" dirty="0"/>
-              <a:t> = </a:t>
-            </a:r>
-            <a:r>
-              <a:rPr lang="en-US" dirty="0" err="1"/>
-              <a:t>huerotate.value</a:t>
-            </a:r>
-            <a:r>
-              <a:rPr lang="en-US" dirty="0"/>
-              <a:t>; let </a:t>
-            </a:r>
-            <a:r>
-              <a:rPr lang="en-US" dirty="0" err="1"/>
-              <a:t>sepiaval</a:t>
-            </a:r>
-            <a:r>
-              <a:rPr lang="en-US" dirty="0"/>
-              <a:t> = </a:t>
-            </a:r>
-            <a:r>
-              <a:rPr lang="en-US" dirty="0" err="1"/>
-              <a:t>sepia.value</a:t>
-            </a:r>
-            <a:r>
-              <a:rPr lang="en-US" dirty="0"/>
-              <a:t>; </a:t>
-            </a:r>
-            <a:r>
-              <a:rPr lang="en-US" dirty="0" err="1"/>
-              <a:t>targetimage.style.filter</a:t>
-            </a:r>
-            <a:r>
-              <a:rPr lang="en-US" dirty="0"/>
-              <a:t> = 'grayscale('+</a:t>
-            </a:r>
-            <a:r>
-              <a:rPr lang="en-US" dirty="0" err="1"/>
-              <a:t>gsval</a:t>
-            </a:r>
-            <a:r>
-              <a:rPr lang="en-US" dirty="0"/>
-              <a:t>+'%) blur('+</a:t>
-            </a:r>
-            <a:r>
-              <a:rPr lang="en-US" dirty="0" err="1"/>
-              <a:t>blurval+'px</a:t>
-            </a:r>
-            <a:r>
-              <a:rPr lang="en-US" dirty="0"/>
-              <a:t>) hue-rotate('+</a:t>
-            </a:r>
-            <a:r>
-              <a:rPr lang="en-US" dirty="0" err="1"/>
-              <a:t>huerotateval+'deg</a:t>
-            </a:r>
-            <a:r>
-              <a:rPr lang="en-US" dirty="0"/>
-              <a:t>) sepia('+</a:t>
-            </a:r>
-            <a:r>
-              <a:rPr lang="en-US" dirty="0" err="1"/>
-              <a:t>sepiaval</a:t>
-            </a:r>
-            <a:r>
-              <a:rPr lang="en-US" dirty="0"/>
-              <a:t>+'%)';} let </a:t>
-            </a:r>
-            <a:r>
-              <a:rPr lang="en-US" dirty="0" err="1"/>
-              <a:t>sliderform</a:t>
-            </a:r>
-            <a:r>
-              <a:rPr lang="en-US" dirty="0"/>
-              <a:t> = </a:t>
-            </a:r>
-            <a:r>
-              <a:rPr lang="en-US" dirty="0" err="1"/>
-              <a:t>document.getElementById</a:t>
-            </a:r>
-            <a:r>
-              <a:rPr lang="en-US" dirty="0"/>
-              <a:t>('slider-form');</a:t>
-            </a:r>
-            <a:r>
-              <a:rPr lang="en-US" dirty="0" err="1"/>
-              <a:t>sliderform.addEventListener</a:t>
-            </a:r>
-            <a:r>
-              <a:rPr lang="en-US" dirty="0"/>
-              <a:t>('reset', function(){ </a:t>
-            </a:r>
-            <a:r>
-              <a:rPr lang="en-US" dirty="0" err="1"/>
-              <a:t>sliderform.reset</a:t>
-            </a:r>
-            <a:r>
-              <a:rPr lang="en-US" dirty="0"/>
-              <a:t>(); </a:t>
-            </a:r>
-            <a:r>
-              <a:rPr lang="en-US" dirty="0" err="1"/>
-              <a:t>setTimeout</a:t>
-            </a:r>
-            <a:r>
-              <a:rPr lang="en-US" dirty="0"/>
-              <a:t>(function(){ </a:t>
-            </a:r>
-            <a:r>
-              <a:rPr lang="en-US" dirty="0" err="1"/>
-              <a:t>editimage</a:t>
-            </a:r>
-            <a:r>
-              <a:rPr lang="en-US" dirty="0"/>
-              <a:t>(); },0) })</a:t>
-            </a:r>
-          </a:p>
-        </p:txBody>
-      </p:sp>
+        </p:nvPicPr>
+        <p:blipFill>
+          <a:blip r:embed="rId2"/>
+          <a:stretch>
+            <a:fillRect/>
+          </a:stretch>
+        </p:blipFill>
+        <p:spPr>
+          <a:xfrm>
+            <a:off x="546957" y="1600200"/>
+            <a:ext cx="8050085" cy="4525963"/>
+          </a:xfrm>
+        </p:spPr>
+      </p:pic>
     </p:spTree>
   </p:cSld>
   <p:clrMapOvr>
@@ -4414,242 +5865,33 @@
           <a:bodyPr/>
           <a:lstStyle/>
           <a:p>
-            <a:r>
-              <a:rPr lang="en-US" dirty="0" err="1" smtClean="0"/>
-              <a:t>Css</a:t>
-            </a:r>
-            <a:r>
-              <a:rPr lang="en-US" dirty="0" smtClean="0"/>
-              <a:t> part</a:t>
-            </a:r>
-            <a:endParaRPr lang="en-US" dirty="0"/>
-          </a:p>
-        </p:txBody>
-      </p:sp>
-      <p:sp>
-        <p:nvSpPr>
-          <p:cNvPr id="3" name="Content Placeholder 2"/>
-          <p:cNvSpPr>
-            <a:spLocks noGrp="1"/>
-          </p:cNvSpPr>
+            <a:endParaRPr lang="en-US"/>
+          </a:p>
+        </p:txBody>
+      </p:sp>
+      <p:pic>
+        <p:nvPicPr>
+          <p:cNvPr id="4" name="Content Placeholder 3" descr="index img.jpg"/>
+          <p:cNvPicPr>
+            <a:picLocks noGrp="1" noChangeAspect="1"/>
+          </p:cNvPicPr>
           <p:nvPr>
             <p:ph idx="1"/>
           </p:nvPr>
-        </p:nvSpPr>
-        <p:spPr/>
-        <p:txBody>
-          <a:bodyPr>
-            <a:normAutofit fontScale="47500" lnSpcReduction="20000"/>
-          </a:bodyPr>
-          <a:lstStyle/>
-          <a:p>
-            <a:r>
-              <a:rPr lang="en-US" dirty="0"/>
-              <a:t>{ margin: 0;padding: 0;box-sizing: border-box; } body {font-family: </a:t>
-            </a:r>
-            <a:r>
-              <a:rPr lang="en-US" dirty="0" err="1"/>
-              <a:t>Arial,Helvetica</a:t>
-            </a:r>
-            <a:r>
-              <a:rPr lang="en-US" dirty="0"/>
-              <a:t>, sans-</a:t>
-            </a:r>
-            <a:r>
-              <a:rPr lang="en-US" dirty="0" err="1"/>
-              <a:t>serif;overflow</a:t>
-            </a:r>
-            <a:r>
-              <a:rPr lang="en-US" dirty="0"/>
-              <a:t>-y: hidden;}.main {width: 100%; float: left;}.container { width: 90%;margin: 0 auto;}.main-outer {width: 100%;float: left; padding: 3em;} .main-left {width: 25%;float: left; }.main-left aside {width: 100%;background: #333;height: calc(100vh - 6em);float: </a:t>
-            </a:r>
-            <a:r>
-              <a:rPr lang="en-US" dirty="0" err="1"/>
-              <a:t>left;padding</a:t>
-            </a:r>
-            <a:r>
-              <a:rPr lang="en-US" dirty="0"/>
-              <a:t>: 40px; }.main-left aside h3 {color: #</a:t>
-            </a:r>
-            <a:r>
-              <a:rPr lang="en-US" dirty="0" err="1"/>
-              <a:t>fff;font</a:t>
-            </a:r>
-            <a:r>
-              <a:rPr lang="en-US" dirty="0"/>
-              <a:t>-size: 30px;font-weight: </a:t>
-            </a:r>
-            <a:r>
-              <a:rPr lang="en-US" dirty="0" err="1"/>
-              <a:t>normal;margin</a:t>
-            </a:r>
-            <a:r>
-              <a:rPr lang="en-US" dirty="0"/>
-              <a:t>-bottom: 20px;}.main-left p {margin-bottom: 15px;}.main-left label { color: #</a:t>
-            </a:r>
-            <a:r>
-              <a:rPr lang="en-US" dirty="0" err="1"/>
-              <a:t>fff;display</a:t>
-            </a:r>
-            <a:r>
-              <a:rPr lang="en-US" dirty="0"/>
-              <a:t>: </a:t>
-            </a:r>
-            <a:r>
-              <a:rPr lang="en-US" dirty="0" err="1"/>
-              <a:t>block;padding</a:t>
-            </a:r>
-            <a:r>
-              <a:rPr lang="en-US" dirty="0"/>
-              <a:t>-bottom: 10px; }.main-left aside button {float: right; background: #</a:t>
-            </a:r>
-            <a:r>
-              <a:rPr lang="en-US" dirty="0" err="1"/>
-              <a:t>fff;border</a:t>
-            </a:r>
-            <a:r>
-              <a:rPr lang="en-US" dirty="0"/>
-              <a:t>: </a:t>
-            </a:r>
-            <a:r>
-              <a:rPr lang="en-US" dirty="0" err="1"/>
-              <a:t>none;height</a:t>
-            </a:r>
-            <a:r>
-              <a:rPr lang="en-US" dirty="0"/>
-              <a:t>: 35px; padding: 0 26px;font-size: 15px;color: #000;cursor: pointer; margin-top: 20px;}.slider { -</a:t>
-            </a:r>
-            <a:r>
-              <a:rPr lang="en-US" dirty="0" err="1"/>
-              <a:t>webkit</a:t>
-            </a:r>
-            <a:r>
-              <a:rPr lang="en-US" dirty="0"/>
-              <a:t>-appearance: </a:t>
-            </a:r>
-            <a:r>
-              <a:rPr lang="en-US" dirty="0" err="1"/>
-              <a:t>none;width</a:t>
-            </a:r>
-            <a:r>
-              <a:rPr lang="en-US" dirty="0"/>
-              <a:t>: 100%;height: 15px;border-radius: 5px;background: #d3d3d3;outline: </a:t>
-            </a:r>
-            <a:r>
-              <a:rPr lang="en-US" dirty="0" err="1"/>
-              <a:t>none;opacity</a:t>
-            </a:r>
-            <a:r>
-              <a:rPr lang="en-US" dirty="0"/>
-              <a:t>: 0.7;-</a:t>
-            </a:r>
-            <a:r>
-              <a:rPr lang="en-US" dirty="0" err="1"/>
-              <a:t>webkit</a:t>
-            </a:r>
-            <a:r>
-              <a:rPr lang="en-US" dirty="0"/>
-              <a:t>-transition: 0.2s;transition: opacity 0.2s;} .slider::-</a:t>
-            </a:r>
-            <a:r>
-              <a:rPr lang="en-US" dirty="0" err="1"/>
-              <a:t>webkit</a:t>
-            </a:r>
-            <a:r>
-              <a:rPr lang="en-US" dirty="0"/>
-              <a:t>-slider-thumb {-</a:t>
-            </a:r>
-            <a:r>
-              <a:rPr lang="en-US" dirty="0" err="1"/>
-              <a:t>webkit</a:t>
-            </a:r>
-            <a:r>
-              <a:rPr lang="en-US" dirty="0"/>
-              <a:t>-appearance: </a:t>
-            </a:r>
-            <a:r>
-              <a:rPr lang="en-US" dirty="0" err="1"/>
-              <a:t>none;appearance</a:t>
-            </a:r>
-            <a:r>
-              <a:rPr lang="en-US" dirty="0"/>
-              <a:t>: </a:t>
-            </a:r>
-            <a:r>
-              <a:rPr lang="en-US" dirty="0" err="1"/>
-              <a:t>none;width</a:t>
-            </a:r>
-            <a:r>
-              <a:rPr lang="en-US" dirty="0"/>
-              <a:t>: 25px;height: 25px;border-radius: 50%;background: #4caf50;cursor: pointer;}.slider::-</a:t>
-            </a:r>
-            <a:r>
-              <a:rPr lang="en-US" dirty="0" err="1"/>
-              <a:t>moz</a:t>
-            </a:r>
-            <a:r>
-              <a:rPr lang="en-US" dirty="0"/>
-              <a:t>-range-thumb { width: 25px; height: 25px;border-radius: 50%;background: #4caf50;cursor: pointer;} .main-right {width: 70%;float: right;}.main-right .</a:t>
-            </a:r>
-            <a:r>
-              <a:rPr lang="en-US" dirty="0" err="1"/>
-              <a:t>img</a:t>
-            </a:r>
-            <a:r>
-              <a:rPr lang="en-US" dirty="0"/>
-              <a:t>-area {width: 100%;height: 77vh;overflow: hidden;} .main-right .</a:t>
-            </a:r>
-            <a:r>
-              <a:rPr lang="en-US" dirty="0" err="1"/>
-              <a:t>img</a:t>
-            </a:r>
-            <a:r>
-              <a:rPr lang="en-US" dirty="0"/>
-              <a:t>-area </a:t>
-            </a:r>
-            <a:r>
-              <a:rPr lang="en-US" dirty="0" err="1"/>
-              <a:t>img</a:t>
-            </a:r>
-            <a:r>
-              <a:rPr lang="en-US" dirty="0"/>
-              <a:t> {width: 100%;} .main-right input[type="text"] {width: 79%;margin-bottom: 20px;height: 45px;padding: 10px;} .main-right button {float: </a:t>
-            </a:r>
-            <a:r>
-              <a:rPr lang="en-US" dirty="0" err="1"/>
-              <a:t>right;background</a:t>
-            </a:r>
-            <a:r>
-              <a:rPr lang="en-US" dirty="0"/>
-              <a:t>: #333;border: </a:t>
-            </a:r>
-            <a:r>
-              <a:rPr lang="en-US" dirty="0" err="1"/>
-              <a:t>none;height</a:t>
-            </a:r>
-            <a:r>
-              <a:rPr lang="en-US" dirty="0"/>
-              <a:t>: 45px; padding: 0 26px; font-size: 15px; color: #</a:t>
-            </a:r>
-            <a:r>
-              <a:rPr lang="en-US" dirty="0" err="1"/>
-              <a:t>fff</a:t>
-            </a:r>
-            <a:r>
-              <a:rPr lang="en-US" dirty="0"/>
-              <a:t>; cursor: pointer; }</a:t>
-            </a:r>
-            <a:r>
-              <a:rPr lang="en-US" dirty="0" smtClean="0"/>
-              <a:t/>
-            </a:r>
-            <a:br>
-              <a:rPr lang="en-US" dirty="0" smtClean="0"/>
-            </a:br>
-            <a:endParaRPr lang="en-US" dirty="0"/>
-          </a:p>
-        </p:txBody>
-      </p:sp>
+        </p:nvPicPr>
+        <p:blipFill>
+          <a:blip r:embed="rId2"/>
+          <a:stretch>
+            <a:fillRect/>
+          </a:stretch>
+        </p:blipFill>
+        <p:spPr>
+          <a:xfrm>
+            <a:off x="1554691" y="1600200"/>
+            <a:ext cx="6034617" cy="4525963"/>
+          </a:xfrm>
+        </p:spPr>
+      </p:pic>
     </p:spTree>
   </p:cSld>
   <p:clrMapOvr>
@@ -4692,35 +5934,460 @@
           <a:p>
             <a:r>
               <a:rPr lang="en-US" dirty="0" smtClean="0"/>
-              <a:t>After inserting image</a:t>
+              <a:t>Js part</a:t>
             </a:r>
             <a:endParaRPr lang="en-US" dirty="0"/>
           </a:p>
         </p:txBody>
       </p:sp>
-      <p:pic>
-        <p:nvPicPr>
-          <p:cNvPr id="4" name="Content Placeholder 3" descr="Screenshot (16).png"/>
-          <p:cNvPicPr>
-            <a:picLocks noGrp="1" noChangeAspect="1"/>
-          </p:cNvPicPr>
+      <p:sp>
+        <p:nvSpPr>
+          <p:cNvPr id="3" name="Content Placeholder 2"/>
+          <p:cNvSpPr>
+            <a:spLocks noGrp="1"/>
+          </p:cNvSpPr>
           <p:nvPr>
             <p:ph idx="1"/>
           </p:nvPr>
-        </p:nvPicPr>
-        <p:blipFill>
-          <a:blip r:embed="rId2"/>
-          <a:stretch>
-            <a:fillRect/>
-          </a:stretch>
-        </p:blipFill>
-        <p:spPr>
-          <a:xfrm>
-            <a:off x="546957" y="1600200"/>
-            <a:ext cx="8050085" cy="4525963"/>
-          </a:xfrm>
-        </p:spPr>
-      </p:pic>
+        </p:nvSpPr>
+        <p:spPr/>
+        <p:txBody>
+          <a:bodyPr>
+            <a:normAutofit fontScale="62500" lnSpcReduction="20000"/>
+          </a:bodyPr>
+          <a:lstStyle/>
+          <a:p>
+            <a:r>
+              <a:rPr lang="en-US" dirty="0"/>
+              <a:t>let </a:t>
+            </a:r>
+            <a:r>
+              <a:rPr lang="en-US" dirty="0" err="1"/>
+              <a:t>myform</a:t>
+            </a:r>
+            <a:r>
+              <a:rPr lang="en-US" dirty="0"/>
+              <a:t> = </a:t>
+            </a:r>
+            <a:r>
+              <a:rPr lang="en-US" dirty="0" err="1"/>
+              <a:t>document.getElementById</a:t>
+            </a:r>
+            <a:r>
+              <a:rPr lang="en-US" dirty="0"/>
+              <a:t>('</a:t>
+            </a:r>
+            <a:r>
+              <a:rPr lang="en-US" dirty="0" err="1"/>
+              <a:t>myform</a:t>
+            </a:r>
+            <a:r>
+              <a:rPr lang="en-US" dirty="0"/>
+              <a:t>');let </a:t>
+            </a:r>
+            <a:r>
+              <a:rPr lang="en-US" dirty="0" err="1"/>
+              <a:t>targetimage</a:t>
+            </a:r>
+            <a:r>
+              <a:rPr lang="en-US" dirty="0"/>
+              <a:t> = </a:t>
+            </a:r>
+            <a:r>
+              <a:rPr lang="en-US" dirty="0" err="1"/>
+              <a:t>document.getElementById</a:t>
+            </a:r>
+            <a:r>
+              <a:rPr lang="en-US" dirty="0"/>
+              <a:t>('</a:t>
+            </a:r>
+            <a:r>
+              <a:rPr lang="en-US" dirty="0" err="1"/>
+              <a:t>targetimage</a:t>
+            </a:r>
+            <a:r>
+              <a:rPr lang="en-US" dirty="0"/>
+              <a:t>');let </a:t>
+            </a:r>
+            <a:r>
+              <a:rPr lang="en-US" dirty="0" err="1"/>
+              <a:t>inputrange</a:t>
+            </a:r>
+            <a:r>
+              <a:rPr lang="en-US" dirty="0"/>
+              <a:t> = </a:t>
+            </a:r>
+            <a:r>
+              <a:rPr lang="en-US" dirty="0" err="1"/>
+              <a:t>document.querySelectorAll</a:t>
+            </a:r>
+            <a:r>
+              <a:rPr lang="en-US" dirty="0"/>
+              <a:t>('.slider');</a:t>
+            </a:r>
+            <a:r>
+              <a:rPr lang="en-US" dirty="0" err="1"/>
+              <a:t>myform.addEventListener</a:t>
+            </a:r>
+            <a:r>
+              <a:rPr lang="en-US" dirty="0"/>
+              <a:t>('submit', function(e){let </a:t>
+            </a:r>
+            <a:r>
+              <a:rPr lang="en-US" dirty="0" err="1"/>
+              <a:t>urlimage</a:t>
+            </a:r>
+            <a:r>
+              <a:rPr lang="en-US" dirty="0"/>
+              <a:t> = </a:t>
+            </a:r>
+            <a:r>
+              <a:rPr lang="en-US" dirty="0" err="1"/>
+              <a:t>document.getElementById</a:t>
+            </a:r>
+            <a:r>
+              <a:rPr lang="en-US" dirty="0"/>
+              <a:t>('</a:t>
+            </a:r>
+            <a:r>
+              <a:rPr lang="en-US" dirty="0" err="1"/>
+              <a:t>onlineurl</a:t>
+            </a:r>
+            <a:r>
+              <a:rPr lang="en-US" dirty="0"/>
+              <a:t>');let </a:t>
+            </a:r>
+            <a:r>
+              <a:rPr lang="en-US" dirty="0" err="1"/>
+              <a:t>urlimageval</a:t>
+            </a:r>
+            <a:r>
+              <a:rPr lang="en-US" dirty="0"/>
+              <a:t> = </a:t>
+            </a:r>
+            <a:r>
+              <a:rPr lang="en-US" dirty="0" err="1"/>
+              <a:t>urlimage.value</a:t>
+            </a:r>
+            <a:r>
+              <a:rPr lang="en-US" dirty="0"/>
+              <a:t>; if(</a:t>
+            </a:r>
+            <a:r>
+              <a:rPr lang="en-US" dirty="0" err="1"/>
+              <a:t>urlimageval.length</a:t>
+            </a:r>
+            <a:r>
+              <a:rPr lang="en-US" dirty="0"/>
+              <a:t>){ </a:t>
+            </a:r>
+            <a:r>
+              <a:rPr lang="en-US" dirty="0" err="1"/>
+              <a:t>targetimage.setAttribute</a:t>
+            </a:r>
+            <a:r>
+              <a:rPr lang="en-US" dirty="0"/>
+              <a:t>('</a:t>
+            </a:r>
+            <a:r>
+              <a:rPr lang="en-US" dirty="0" err="1"/>
+              <a:t>src',urlimageval</a:t>
+            </a:r>
+            <a:r>
+              <a:rPr lang="en-US" dirty="0"/>
+              <a:t>); </a:t>
+            </a:r>
+            <a:r>
+              <a:rPr lang="en-US" dirty="0" err="1"/>
+              <a:t>urlimage.value</a:t>
+            </a:r>
+            <a:r>
+              <a:rPr lang="en-US" dirty="0"/>
+              <a:t> = ''; } </a:t>
+            </a:r>
+            <a:r>
+              <a:rPr lang="en-US" dirty="0" err="1"/>
+              <a:t>e.preventDefault</a:t>
+            </a:r>
+            <a:r>
+              <a:rPr lang="en-US" dirty="0"/>
+              <a:t>(); console.log('done');};for(let </a:t>
+            </a:r>
+            <a:r>
+              <a:rPr lang="en-US" dirty="0" err="1"/>
+              <a:t>i</a:t>
+            </a:r>
+            <a:r>
+              <a:rPr lang="en-US" dirty="0"/>
+              <a:t>=0; </a:t>
+            </a:r>
+            <a:r>
+              <a:rPr lang="en-US" dirty="0" err="1"/>
+              <a:t>i</a:t>
+            </a:r>
+            <a:r>
+              <a:rPr lang="en-US" dirty="0"/>
+              <a:t>&lt;=inputrange.length-1; </a:t>
+            </a:r>
+            <a:r>
+              <a:rPr lang="en-US" dirty="0" err="1"/>
+              <a:t>i</a:t>
+            </a:r>
+            <a:r>
+              <a:rPr lang="en-US" dirty="0"/>
+              <a:t>++ ){ </a:t>
+            </a:r>
+            <a:r>
+              <a:rPr lang="en-US" dirty="0" err="1"/>
+              <a:t>inputrange</a:t>
+            </a:r>
+            <a:r>
+              <a:rPr lang="en-US" dirty="0"/>
+              <a:t>[</a:t>
+            </a:r>
+            <a:r>
+              <a:rPr lang="en-US" dirty="0" err="1"/>
+              <a:t>i</a:t>
+            </a:r>
+            <a:r>
+              <a:rPr lang="en-US" dirty="0"/>
+              <a:t>].</a:t>
+            </a:r>
+            <a:r>
+              <a:rPr lang="en-US" dirty="0" err="1"/>
+              <a:t>addEventListener</a:t>
+            </a:r>
+            <a:r>
+              <a:rPr lang="en-US" dirty="0"/>
+              <a:t>('input', </a:t>
+            </a:r>
+            <a:r>
+              <a:rPr lang="en-US" dirty="0" err="1"/>
+              <a:t>editimage</a:t>
+            </a:r>
+            <a:r>
+              <a:rPr lang="en-US" dirty="0"/>
+              <a:t>);}function </a:t>
+            </a:r>
+            <a:r>
+              <a:rPr lang="en-US" dirty="0" err="1"/>
+              <a:t>editimage</a:t>
+            </a:r>
+            <a:r>
+              <a:rPr lang="en-US" dirty="0"/>
+              <a:t>(){ let </a:t>
+            </a:r>
+            <a:r>
+              <a:rPr lang="en-US" dirty="0" err="1"/>
+              <a:t>gs</a:t>
+            </a:r>
+            <a:r>
+              <a:rPr lang="en-US" dirty="0"/>
+              <a:t> = </a:t>
+            </a:r>
+            <a:r>
+              <a:rPr lang="en-US" dirty="0" err="1"/>
+              <a:t>document.getElementById</a:t>
+            </a:r>
+            <a:r>
+              <a:rPr lang="en-US" dirty="0"/>
+              <a:t>('</a:t>
+            </a:r>
+            <a:r>
+              <a:rPr lang="en-US" dirty="0" err="1"/>
+              <a:t>gs'</a:t>
+            </a:r>
+            <a:r>
+              <a:rPr lang="en-US" dirty="0"/>
+              <a:t>); let blur = </a:t>
+            </a:r>
+            <a:r>
+              <a:rPr lang="en-US" dirty="0" err="1"/>
+              <a:t>document.getElementById</a:t>
+            </a:r>
+            <a:r>
+              <a:rPr lang="en-US" dirty="0"/>
+              <a:t>('blur'); let </a:t>
+            </a:r>
+            <a:r>
+              <a:rPr lang="en-US" dirty="0" err="1"/>
+              <a:t>huerotate</a:t>
+            </a:r>
+            <a:r>
+              <a:rPr lang="en-US" dirty="0"/>
+              <a:t> = </a:t>
+            </a:r>
+            <a:r>
+              <a:rPr lang="en-US" dirty="0" err="1"/>
+              <a:t>document.getElementById</a:t>
+            </a:r>
+            <a:r>
+              <a:rPr lang="en-US" dirty="0"/>
+              <a:t>('hue-rotate'); let sepia = </a:t>
+            </a:r>
+            <a:r>
+              <a:rPr lang="en-US" dirty="0" err="1"/>
+              <a:t>document.getElementById</a:t>
+            </a:r>
+            <a:r>
+              <a:rPr lang="en-US" dirty="0"/>
+              <a:t>('sepia'); let </a:t>
+            </a:r>
+            <a:r>
+              <a:rPr lang="en-US" dirty="0" err="1"/>
+              <a:t>gsval</a:t>
+            </a:r>
+            <a:r>
+              <a:rPr lang="en-US" dirty="0"/>
+              <a:t> = </a:t>
+            </a:r>
+            <a:r>
+              <a:rPr lang="en-US" dirty="0" err="1"/>
+              <a:t>gs.value</a:t>
+            </a:r>
+            <a:r>
+              <a:rPr lang="en-US" dirty="0"/>
+              <a:t>; let </a:t>
+            </a:r>
+            <a:r>
+              <a:rPr lang="en-US" dirty="0" err="1"/>
+              <a:t>blurval</a:t>
+            </a:r>
+            <a:r>
+              <a:rPr lang="en-US" dirty="0"/>
+              <a:t> = </a:t>
+            </a:r>
+            <a:r>
+              <a:rPr lang="en-US" dirty="0" err="1"/>
+              <a:t>blur.value</a:t>
+            </a:r>
+            <a:r>
+              <a:rPr lang="en-US" dirty="0"/>
+              <a:t>; let </a:t>
+            </a:r>
+            <a:r>
+              <a:rPr lang="en-US" dirty="0" err="1"/>
+              <a:t>huerotateval</a:t>
+            </a:r>
+            <a:r>
+              <a:rPr lang="en-US" dirty="0"/>
+              <a:t> = </a:t>
+            </a:r>
+            <a:r>
+              <a:rPr lang="en-US" dirty="0" err="1"/>
+              <a:t>huerotate.value</a:t>
+            </a:r>
+            <a:r>
+              <a:rPr lang="en-US" dirty="0"/>
+              <a:t>; let </a:t>
+            </a:r>
+            <a:r>
+              <a:rPr lang="en-US" dirty="0" err="1"/>
+              <a:t>sepiaval</a:t>
+            </a:r>
+            <a:r>
+              <a:rPr lang="en-US" dirty="0"/>
+              <a:t> = </a:t>
+            </a:r>
+            <a:r>
+              <a:rPr lang="en-US" dirty="0" err="1"/>
+              <a:t>sepia.value</a:t>
+            </a:r>
+            <a:r>
+              <a:rPr lang="en-US" dirty="0"/>
+              <a:t>; </a:t>
+            </a:r>
+            <a:r>
+              <a:rPr lang="en-US" dirty="0" err="1"/>
+              <a:t>targetimage.style.filter</a:t>
+            </a:r>
+            <a:r>
+              <a:rPr lang="en-US" dirty="0"/>
+              <a:t> = 'grayscale('+</a:t>
+            </a:r>
+            <a:r>
+              <a:rPr lang="en-US" dirty="0" err="1"/>
+              <a:t>gsval</a:t>
+            </a:r>
+            <a:r>
+              <a:rPr lang="en-US" dirty="0"/>
+              <a:t>+'%) blur('+</a:t>
+            </a:r>
+            <a:r>
+              <a:rPr lang="en-US" dirty="0" err="1"/>
+              <a:t>blurval+'px</a:t>
+            </a:r>
+            <a:r>
+              <a:rPr lang="en-US" dirty="0"/>
+              <a:t>) hue-rotate('+</a:t>
+            </a:r>
+            <a:r>
+              <a:rPr lang="en-US" dirty="0" err="1"/>
+              <a:t>huerotateval+'deg</a:t>
+            </a:r>
+            <a:r>
+              <a:rPr lang="en-US" dirty="0"/>
+              <a:t>) sepia('+</a:t>
+            </a:r>
+            <a:r>
+              <a:rPr lang="en-US" dirty="0" err="1"/>
+              <a:t>sepiaval</a:t>
+            </a:r>
+            <a:r>
+              <a:rPr lang="en-US" dirty="0"/>
+              <a:t>+'%)';} let </a:t>
+            </a:r>
+            <a:r>
+              <a:rPr lang="en-US" dirty="0" err="1"/>
+              <a:t>sliderform</a:t>
+            </a:r>
+            <a:r>
+              <a:rPr lang="en-US" dirty="0"/>
+              <a:t> = </a:t>
+            </a:r>
+            <a:r>
+              <a:rPr lang="en-US" dirty="0" err="1"/>
+              <a:t>document.getElementById</a:t>
+            </a:r>
+            <a:r>
+              <a:rPr lang="en-US" dirty="0"/>
+              <a:t>('slider-form');</a:t>
+            </a:r>
+            <a:r>
+              <a:rPr lang="en-US" dirty="0" err="1"/>
+              <a:t>sliderform.addEventListener</a:t>
+            </a:r>
+            <a:r>
+              <a:rPr lang="en-US" dirty="0"/>
+              <a:t>('reset', function(){ </a:t>
+            </a:r>
+            <a:r>
+              <a:rPr lang="en-US" dirty="0" err="1"/>
+              <a:t>sliderform.reset</a:t>
+            </a:r>
+            <a:r>
+              <a:rPr lang="en-US" dirty="0"/>
+              <a:t>(); </a:t>
+            </a:r>
+            <a:r>
+              <a:rPr lang="en-US" dirty="0" err="1"/>
+              <a:t>setTimeout</a:t>
+            </a:r>
+            <a:r>
+              <a:rPr lang="en-US" dirty="0"/>
+              <a:t>(function(){ </a:t>
+            </a:r>
+            <a:r>
+              <a:rPr lang="en-US" dirty="0" err="1"/>
+              <a:t>editimage</a:t>
+            </a:r>
+            <a:r>
+              <a:rPr lang="en-US" dirty="0"/>
+              <a:t>(); },0) })</a:t>
+            </a:r>
+          </a:p>
+        </p:txBody>
+      </p:sp>
     </p:spTree>
   </p:cSld>
   <p:clrMapOvr>
@@ -4762,8 +6429,12 @@
           <a:lstStyle/>
           <a:p>
             <a:r>
-              <a:rPr lang="en-US" dirty="0" smtClean="0"/>
-              <a:t>output</a:t>
+              <a:rPr lang="en-US" dirty="0" err="1" smtClean="0"/>
+              <a:t>Css</a:t>
+            </a:r>
+            <a:r>
+              <a:rPr lang="en-US" dirty="0" smtClean="0"/>
+              <a:t> part</a:t>
             </a:r>
             <a:endParaRPr lang="en-US" dirty="0"/>
           </a:p>
@@ -4781,10 +6452,215 @@
         </p:nvSpPr>
         <p:spPr/>
         <p:txBody>
-          <a:bodyPr/>
+          <a:bodyPr>
+            <a:normAutofit fontScale="47500" lnSpcReduction="20000"/>
+          </a:bodyPr>
           <a:lstStyle/>
           <a:p>
-            <a:endParaRPr lang="en-US"/>
+            <a:r>
+              <a:rPr lang="en-US" dirty="0"/>
+              <a:t>{ margin: 0;padding: 0;box-sizing: border-box; } body {font-family: </a:t>
+            </a:r>
+            <a:r>
+              <a:rPr lang="en-US" dirty="0" err="1"/>
+              <a:t>Arial,Helvetica</a:t>
+            </a:r>
+            <a:r>
+              <a:rPr lang="en-US" dirty="0"/>
+              <a:t>, sans-</a:t>
+            </a:r>
+            <a:r>
+              <a:rPr lang="en-US" dirty="0" err="1"/>
+              <a:t>serif;overflow</a:t>
+            </a:r>
+            <a:r>
+              <a:rPr lang="en-US" dirty="0"/>
+              <a:t>-y: hidden;}.main {width: 100%; float: left;}.container { width: 90%;margin: 0 auto;}.main-outer {width: 100%;float: left; padding: 3em;} .main-left {width: 25%;float: left; }.main-left aside {width: 100%;background: #333;height: calc(100vh - 6em);float: </a:t>
+            </a:r>
+            <a:r>
+              <a:rPr lang="en-US" dirty="0" err="1"/>
+              <a:t>left;padding</a:t>
+            </a:r>
+            <a:r>
+              <a:rPr lang="en-US" dirty="0"/>
+              <a:t>: 40px; }.main-left aside h3 {color: #</a:t>
+            </a:r>
+            <a:r>
+              <a:rPr lang="en-US" dirty="0" err="1"/>
+              <a:t>fff;font</a:t>
+            </a:r>
+            <a:r>
+              <a:rPr lang="en-US" dirty="0"/>
+              <a:t>-size: 30px;font-weight: </a:t>
+            </a:r>
+            <a:r>
+              <a:rPr lang="en-US" dirty="0" err="1"/>
+              <a:t>normal;margin</a:t>
+            </a:r>
+            <a:r>
+              <a:rPr lang="en-US" dirty="0"/>
+              <a:t>-bottom: 20px;}.main-left p {margin-bottom: 15px;}.main-left label { color: #</a:t>
+            </a:r>
+            <a:r>
+              <a:rPr lang="en-US" dirty="0" err="1"/>
+              <a:t>fff;display</a:t>
+            </a:r>
+            <a:r>
+              <a:rPr lang="en-US" dirty="0"/>
+              <a:t>: </a:t>
+            </a:r>
+            <a:r>
+              <a:rPr lang="en-US" dirty="0" err="1"/>
+              <a:t>block;padding</a:t>
+            </a:r>
+            <a:r>
+              <a:rPr lang="en-US" dirty="0"/>
+              <a:t>-bottom: 10px; }.main-left aside button {float: right; background: #</a:t>
+            </a:r>
+            <a:r>
+              <a:rPr lang="en-US" dirty="0" err="1"/>
+              <a:t>fff;border</a:t>
+            </a:r>
+            <a:r>
+              <a:rPr lang="en-US" dirty="0"/>
+              <a:t>: </a:t>
+            </a:r>
+            <a:r>
+              <a:rPr lang="en-US" dirty="0" err="1"/>
+              <a:t>none;height</a:t>
+            </a:r>
+            <a:r>
+              <a:rPr lang="en-US" dirty="0"/>
+              <a:t>: 35px; padding: 0 26px;font-size: 15px;color: #000;cursor: pointer; margin-top: 20px;}.slider { -</a:t>
+            </a:r>
+            <a:r>
+              <a:rPr lang="en-US" dirty="0" err="1"/>
+              <a:t>webkit</a:t>
+            </a:r>
+            <a:r>
+              <a:rPr lang="en-US" dirty="0"/>
+              <a:t>-appearance: </a:t>
+            </a:r>
+            <a:r>
+              <a:rPr lang="en-US" dirty="0" err="1"/>
+              <a:t>none;width</a:t>
+            </a:r>
+            <a:r>
+              <a:rPr lang="en-US" dirty="0"/>
+              <a:t>: 100%;height: 15px;border-radius: 5px;background: #d3d3d3;outline: </a:t>
+            </a:r>
+            <a:r>
+              <a:rPr lang="en-US" dirty="0" err="1"/>
+              <a:t>none;opacity</a:t>
+            </a:r>
+            <a:r>
+              <a:rPr lang="en-US" dirty="0"/>
+              <a:t>: 0.7;-</a:t>
+            </a:r>
+            <a:r>
+              <a:rPr lang="en-US" dirty="0" err="1"/>
+              <a:t>webkit</a:t>
+            </a:r>
+            <a:r>
+              <a:rPr lang="en-US" dirty="0"/>
+              <a:t>-transition: 0.2s;transition: opacity 0.2s;} .slider::-</a:t>
+            </a:r>
+            <a:r>
+              <a:rPr lang="en-US" dirty="0" err="1"/>
+              <a:t>webkit</a:t>
+            </a:r>
+            <a:r>
+              <a:rPr lang="en-US" dirty="0"/>
+              <a:t>-slider-thumb {-</a:t>
+            </a:r>
+            <a:r>
+              <a:rPr lang="en-US" dirty="0" err="1"/>
+              <a:t>webkit</a:t>
+            </a:r>
+            <a:r>
+              <a:rPr lang="en-US" dirty="0"/>
+              <a:t>-appearance: </a:t>
+            </a:r>
+            <a:r>
+              <a:rPr lang="en-US" dirty="0" err="1"/>
+              <a:t>none;appearance</a:t>
+            </a:r>
+            <a:r>
+              <a:rPr lang="en-US" dirty="0"/>
+              <a:t>: </a:t>
+            </a:r>
+            <a:r>
+              <a:rPr lang="en-US" dirty="0" err="1"/>
+              <a:t>none;width</a:t>
+            </a:r>
+            <a:r>
+              <a:rPr lang="en-US" dirty="0"/>
+              <a:t>: 25px;height: 25px;border-radius: 50%;background: #4caf50;cursor: pointer;}.slider::-</a:t>
+            </a:r>
+            <a:r>
+              <a:rPr lang="en-US" dirty="0" err="1"/>
+              <a:t>moz</a:t>
+            </a:r>
+            <a:r>
+              <a:rPr lang="en-US" dirty="0"/>
+              <a:t>-range-thumb { width: 25px; height: 25px;border-radius: 50%;background: #4caf50;cursor: pointer;} .main-right {width: 70%;float: right;}.main-right .</a:t>
+            </a:r>
+            <a:r>
+              <a:rPr lang="en-US" dirty="0" err="1"/>
+              <a:t>img</a:t>
+            </a:r>
+            <a:r>
+              <a:rPr lang="en-US" dirty="0"/>
+              <a:t>-area {width: 100%;height: 77vh;overflow: hidden;} .main-right .</a:t>
+            </a:r>
+            <a:r>
+              <a:rPr lang="en-US" dirty="0" err="1"/>
+              <a:t>img</a:t>
+            </a:r>
+            <a:r>
+              <a:rPr lang="en-US" dirty="0"/>
+              <a:t>-area </a:t>
+            </a:r>
+            <a:r>
+              <a:rPr lang="en-US" dirty="0" err="1"/>
+              <a:t>img</a:t>
+            </a:r>
+            <a:r>
+              <a:rPr lang="en-US" dirty="0"/>
+              <a:t> {width: 100%;} .main-right input[type="text"] {width: 79%;margin-bottom: 20px;height: 45px;padding: 10px;} .main-right button {float: </a:t>
+            </a:r>
+            <a:r>
+              <a:rPr lang="en-US" dirty="0" err="1"/>
+              <a:t>right;background</a:t>
+            </a:r>
+            <a:r>
+              <a:rPr lang="en-US" dirty="0"/>
+              <a:t>: #333;border: </a:t>
+            </a:r>
+            <a:r>
+              <a:rPr lang="en-US" dirty="0" err="1"/>
+              <a:t>none;height</a:t>
+            </a:r>
+            <a:r>
+              <a:rPr lang="en-US" dirty="0"/>
+              <a:t>: 45px; padding: 0 26px; font-size: 15px; color: #</a:t>
+            </a:r>
+            <a:r>
+              <a:rPr lang="en-US" dirty="0" err="1"/>
+              <a:t>fff</a:t>
+            </a:r>
+            <a:r>
+              <a:rPr lang="en-US" dirty="0"/>
+              <a:t>; cursor: pointer; }</a:t>
+            </a:r>
+            <a:r>
+              <a:rPr lang="en-US" dirty="0" smtClean="0"/>
+              <a:t/>
+            </a:r>
+            <a:br>
+              <a:rPr lang="en-US" dirty="0" smtClean="0"/>
+            </a:br>
+            <a:endParaRPr lang="en-US" dirty="0"/>
           </a:p>
         </p:txBody>
       </p:sp>
@@ -4829,43 +6705,36 @@
           <a:lstStyle/>
           <a:p>
             <a:r>
-              <a:rPr lang="en-US" dirty="0" err="1" smtClean="0"/>
-              <a:t>Github</a:t>
-            </a:r>
-            <a:r>
-              <a:rPr lang="en-US" dirty="0" smtClean="0"/>
-              <a:t> link</a:t>
+              <a:rPr lang="en-US" dirty="0" smtClean="0"/>
+              <a:t>After inserting image</a:t>
             </a:r>
             <a:endParaRPr lang="en-US" dirty="0"/>
           </a:p>
         </p:txBody>
       </p:sp>
-      <p:sp>
-        <p:nvSpPr>
-          <p:cNvPr id="3" name="Content Placeholder 2"/>
-          <p:cNvSpPr>
-            <a:spLocks noGrp="1"/>
-          </p:cNvSpPr>
+      <p:pic>
+        <p:nvPicPr>
+          <p:cNvPr id="4" name="Content Placeholder 3" descr="Screenshot (16).png"/>
+          <p:cNvPicPr>
+            <a:picLocks noGrp="1" noChangeAspect="1"/>
+          </p:cNvPicPr>
           <p:nvPr>
             <p:ph idx="1"/>
           </p:nvPr>
-        </p:nvSpPr>
-        <p:spPr/>
-        <p:txBody>
-          <a:bodyPr/>
-          <a:lstStyle/>
-          <a:p>
-            <a:pPr algn="ctr">
-              <a:buNone/>
-            </a:pPr>
-            <a:r>
-              <a:rPr lang="en-US" smtClean="0"/>
-              <a:t>Video link</a:t>
-            </a:r>
-            <a:endParaRPr lang="en-US"/>
-          </a:p>
-        </p:txBody>
-      </p:sp>
+        </p:nvPicPr>
+        <p:blipFill>
+          <a:blip r:embed="rId2"/>
+          <a:stretch>
+            <a:fillRect/>
+          </a:stretch>
+        </p:blipFill>
+        <p:spPr>
+          <a:xfrm>
+            <a:off x="546957" y="1600200"/>
+            <a:ext cx="8050085" cy="4525963"/>
+          </a:xfrm>
+        </p:spPr>
+      </p:pic>
     </p:spTree>
   </p:cSld>
   <p:clrMapOvr>
